--- a/report/group 5_Presentation.pptx
+++ b/report/group 5_Presentation.pptx
@@ -4,6 +4,9 @@
   <p:sldMasterIdLst>
     <p:sldMasterId id="2147483751" r:id="rId1"/>
   </p:sldMasterIdLst>
+  <p:notesMasterIdLst>
+    <p:notesMasterId r:id="rId14"/>
+  </p:notesMasterIdLst>
   <p:sldIdLst>
     <p:sldId id="256" r:id="rId2"/>
     <p:sldId id="259" r:id="rId3"/>
@@ -14,10 +17,9 @@
     <p:sldId id="278" r:id="rId8"/>
     <p:sldId id="279" r:id="rId9"/>
     <p:sldId id="277" r:id="rId10"/>
-    <p:sldId id="276" r:id="rId11"/>
-    <p:sldId id="280" r:id="rId12"/>
-    <p:sldId id="281" r:id="rId13"/>
-    <p:sldId id="266" r:id="rId14"/>
+    <p:sldId id="280" r:id="rId11"/>
+    <p:sldId id="281" r:id="rId12"/>
+    <p:sldId id="266" r:id="rId13"/>
   </p:sldIdLst>
   <p:sldSz cx="12192000" cy="6858000"/>
   <p:notesSz cx="6858000" cy="9144000"/>
@@ -122,6 +124,439 @@
     </p:ext>
   </p:extLst>
 </p:presentation>
+</file>
+
+<file path=ppt/notesMasters/notesMaster1.xml><?xml version="1.0" encoding="utf-8"?>
+<p:notesMaster xmlns:a="http://schemas.openxmlformats.org/drawingml/2006/main" xmlns:r="http://schemas.openxmlformats.org/officeDocument/2006/relationships" xmlns:p="http://schemas.openxmlformats.org/presentationml/2006/main">
+  <p:cSld>
+    <p:bg>
+      <p:bgRef idx="1001">
+        <a:schemeClr val="bg1"/>
+      </p:bgRef>
+    </p:bg>
+    <p:spTree>
+      <p:nvGrpSpPr>
+        <p:cNvPr id="1" name=""/>
+        <p:cNvGrpSpPr/>
+        <p:nvPr/>
+      </p:nvGrpSpPr>
+      <p:grpSpPr>
+        <a:xfrm>
+          <a:off x="0" y="0"/>
+          <a:ext cx="0" cy="0"/>
+          <a:chOff x="0" y="0"/>
+          <a:chExt cx="0" cy="0"/>
+        </a:xfrm>
+      </p:grpSpPr>
+      <p:sp>
+        <p:nvSpPr>
+          <p:cNvPr id="2" name="Header Placeholder 1"/>
+          <p:cNvSpPr>
+            <a:spLocks noGrp="1"/>
+          </p:cNvSpPr>
+          <p:nvPr>
+            <p:ph type="hdr" sz="quarter"/>
+          </p:nvPr>
+        </p:nvSpPr>
+        <p:spPr>
+          <a:xfrm>
+            <a:off x="0" y="0"/>
+            <a:ext cx="2971800" cy="458788"/>
+          </a:xfrm>
+          <a:prstGeom prst="rect">
+            <a:avLst/>
+          </a:prstGeom>
+        </p:spPr>
+        <p:txBody>
+          <a:bodyPr vert="horz" lIns="91440" tIns="45720" rIns="91440" bIns="45720" rtlCol="0"/>
+          <a:lstStyle>
+            <a:lvl1pPr algn="l">
+              <a:defRPr sz="1200"/>
+            </a:lvl1pPr>
+          </a:lstStyle>
+          <a:p>
+            <a:endParaRPr lang="en-US"/>
+          </a:p>
+        </p:txBody>
+      </p:sp>
+      <p:sp>
+        <p:nvSpPr>
+          <p:cNvPr id="3" name="Date Placeholder 2"/>
+          <p:cNvSpPr>
+            <a:spLocks noGrp="1"/>
+          </p:cNvSpPr>
+          <p:nvPr>
+            <p:ph type="dt" idx="1"/>
+          </p:nvPr>
+        </p:nvSpPr>
+        <p:spPr>
+          <a:xfrm>
+            <a:off x="3884613" y="0"/>
+            <a:ext cx="2971800" cy="458788"/>
+          </a:xfrm>
+          <a:prstGeom prst="rect">
+            <a:avLst/>
+          </a:prstGeom>
+        </p:spPr>
+        <p:txBody>
+          <a:bodyPr vert="horz" lIns="91440" tIns="45720" rIns="91440" bIns="45720" rtlCol="0"/>
+          <a:lstStyle>
+            <a:lvl1pPr algn="r">
+              <a:defRPr sz="1200"/>
+            </a:lvl1pPr>
+          </a:lstStyle>
+          <a:p>
+            <a:fld id="{D94FDD79-5122-FA4B-AB70-9D738EC79B72}" type="datetimeFigureOut">
+              <a:rPr lang="en-US" smtClean="0"/>
+              <a:t>12/10/25</a:t>
+            </a:fld>
+            <a:endParaRPr lang="en-US"/>
+          </a:p>
+        </p:txBody>
+      </p:sp>
+      <p:sp>
+        <p:nvSpPr>
+          <p:cNvPr id="4" name="Slide Image Placeholder 3"/>
+          <p:cNvSpPr>
+            <a:spLocks noGrp="1" noRot="1" noChangeAspect="1"/>
+          </p:cNvSpPr>
+          <p:nvPr>
+            <p:ph type="sldImg" idx="2"/>
+          </p:nvPr>
+        </p:nvSpPr>
+        <p:spPr>
+          <a:xfrm>
+            <a:off x="685800" y="1143000"/>
+            <a:ext cx="5486400" cy="3086100"/>
+          </a:xfrm>
+          <a:prstGeom prst="rect">
+            <a:avLst/>
+          </a:prstGeom>
+          <a:noFill/>
+          <a:ln w="12700">
+            <a:solidFill>
+              <a:prstClr val="black"/>
+            </a:solidFill>
+          </a:ln>
+        </p:spPr>
+        <p:txBody>
+          <a:bodyPr vert="horz" lIns="91440" tIns="45720" rIns="91440" bIns="45720" rtlCol="0" anchor="ctr"/>
+          <a:lstStyle/>
+          <a:p>
+            <a:endParaRPr lang="en-US"/>
+          </a:p>
+        </p:txBody>
+      </p:sp>
+      <p:sp>
+        <p:nvSpPr>
+          <p:cNvPr id="5" name="Notes Placeholder 4"/>
+          <p:cNvSpPr>
+            <a:spLocks noGrp="1"/>
+          </p:cNvSpPr>
+          <p:nvPr>
+            <p:ph type="body" sz="quarter" idx="3"/>
+          </p:nvPr>
+        </p:nvSpPr>
+        <p:spPr>
+          <a:xfrm>
+            <a:off x="685800" y="4400550"/>
+            <a:ext cx="5486400" cy="3600450"/>
+          </a:xfrm>
+          <a:prstGeom prst="rect">
+            <a:avLst/>
+          </a:prstGeom>
+        </p:spPr>
+        <p:txBody>
+          <a:bodyPr vert="horz" lIns="91440" tIns="45720" rIns="91440" bIns="45720" rtlCol="0"/>
+          <a:lstStyle/>
+          <a:p>
+            <a:pPr lvl="0"/>
+            <a:r>
+              <a:rPr lang="en-US"/>
+              <a:t>Click to edit Master text styles</a:t>
+            </a:r>
+          </a:p>
+          <a:p>
+            <a:pPr lvl="1"/>
+            <a:r>
+              <a:rPr lang="en-US"/>
+              <a:t>Second level</a:t>
+            </a:r>
+          </a:p>
+          <a:p>
+            <a:pPr lvl="2"/>
+            <a:r>
+              <a:rPr lang="en-US"/>
+              <a:t>Third level</a:t>
+            </a:r>
+          </a:p>
+          <a:p>
+            <a:pPr lvl="3"/>
+            <a:r>
+              <a:rPr lang="en-US"/>
+              <a:t>Fourth level</a:t>
+            </a:r>
+          </a:p>
+          <a:p>
+            <a:pPr lvl="4"/>
+            <a:r>
+              <a:rPr lang="en-US"/>
+              <a:t>Fifth level</a:t>
+            </a:r>
+          </a:p>
+        </p:txBody>
+      </p:sp>
+      <p:sp>
+        <p:nvSpPr>
+          <p:cNvPr id="6" name="Footer Placeholder 5"/>
+          <p:cNvSpPr>
+            <a:spLocks noGrp="1"/>
+          </p:cNvSpPr>
+          <p:nvPr>
+            <p:ph type="ftr" sz="quarter" idx="4"/>
+          </p:nvPr>
+        </p:nvSpPr>
+        <p:spPr>
+          <a:xfrm>
+            <a:off x="0" y="8685213"/>
+            <a:ext cx="2971800" cy="458787"/>
+          </a:xfrm>
+          <a:prstGeom prst="rect">
+            <a:avLst/>
+          </a:prstGeom>
+        </p:spPr>
+        <p:txBody>
+          <a:bodyPr vert="horz" lIns="91440" tIns="45720" rIns="91440" bIns="45720" rtlCol="0" anchor="b"/>
+          <a:lstStyle>
+            <a:lvl1pPr algn="l">
+              <a:defRPr sz="1200"/>
+            </a:lvl1pPr>
+          </a:lstStyle>
+          <a:p>
+            <a:endParaRPr lang="en-US"/>
+          </a:p>
+        </p:txBody>
+      </p:sp>
+      <p:sp>
+        <p:nvSpPr>
+          <p:cNvPr id="7" name="Slide Number Placeholder 6"/>
+          <p:cNvSpPr>
+            <a:spLocks noGrp="1"/>
+          </p:cNvSpPr>
+          <p:nvPr>
+            <p:ph type="sldNum" sz="quarter" idx="5"/>
+          </p:nvPr>
+        </p:nvSpPr>
+        <p:spPr>
+          <a:xfrm>
+            <a:off x="3884613" y="8685213"/>
+            <a:ext cx="2971800" cy="458787"/>
+          </a:xfrm>
+          <a:prstGeom prst="rect">
+            <a:avLst/>
+          </a:prstGeom>
+        </p:spPr>
+        <p:txBody>
+          <a:bodyPr vert="horz" lIns="91440" tIns="45720" rIns="91440" bIns="45720" rtlCol="0" anchor="b"/>
+          <a:lstStyle>
+            <a:lvl1pPr algn="r">
+              <a:defRPr sz="1200"/>
+            </a:lvl1pPr>
+          </a:lstStyle>
+          <a:p>
+            <a:fld id="{E76B359C-61B2-C346-A47F-B7226023F435}" type="slidenum">
+              <a:rPr lang="en-US" smtClean="0"/>
+              <a:t>‹#›</a:t>
+            </a:fld>
+            <a:endParaRPr lang="en-US"/>
+          </a:p>
+        </p:txBody>
+      </p:sp>
+    </p:spTree>
+    <p:extLst>
+      <p:ext uri="{BB962C8B-B14F-4D97-AF65-F5344CB8AC3E}">
+        <p14:creationId xmlns:p14="http://schemas.microsoft.com/office/powerpoint/2010/main" val="3993561720"/>
+      </p:ext>
+    </p:extLst>
+  </p:cSld>
+  <p:clrMap bg1="lt1" tx1="dk1" bg2="lt2" tx2="dk2" accent1="accent1" accent2="accent2" accent3="accent3" accent4="accent4" accent5="accent5" accent6="accent6" hlink="hlink" folHlink="folHlink"/>
+  <p:notesStyle>
+    <a:lvl1pPr marL="0" algn="l" defTabSz="914400" rtl="0" eaLnBrk="1" latinLnBrk="0" hangingPunct="1">
+      <a:defRPr sz="1200" kern="1200">
+        <a:solidFill>
+          <a:schemeClr val="tx1"/>
+        </a:solidFill>
+        <a:latin typeface="+mn-lt"/>
+        <a:ea typeface="+mn-ea"/>
+        <a:cs typeface="+mn-cs"/>
+      </a:defRPr>
+    </a:lvl1pPr>
+    <a:lvl2pPr marL="457200" algn="l" defTabSz="914400" rtl="0" eaLnBrk="1" latinLnBrk="0" hangingPunct="1">
+      <a:defRPr sz="1200" kern="1200">
+        <a:solidFill>
+          <a:schemeClr val="tx1"/>
+        </a:solidFill>
+        <a:latin typeface="+mn-lt"/>
+        <a:ea typeface="+mn-ea"/>
+        <a:cs typeface="+mn-cs"/>
+      </a:defRPr>
+    </a:lvl2pPr>
+    <a:lvl3pPr marL="914400" algn="l" defTabSz="914400" rtl="0" eaLnBrk="1" latinLnBrk="0" hangingPunct="1">
+      <a:defRPr sz="1200" kern="1200">
+        <a:solidFill>
+          <a:schemeClr val="tx1"/>
+        </a:solidFill>
+        <a:latin typeface="+mn-lt"/>
+        <a:ea typeface="+mn-ea"/>
+        <a:cs typeface="+mn-cs"/>
+      </a:defRPr>
+    </a:lvl3pPr>
+    <a:lvl4pPr marL="1371600" algn="l" defTabSz="914400" rtl="0" eaLnBrk="1" latinLnBrk="0" hangingPunct="1">
+      <a:defRPr sz="1200" kern="1200">
+        <a:solidFill>
+          <a:schemeClr val="tx1"/>
+        </a:solidFill>
+        <a:latin typeface="+mn-lt"/>
+        <a:ea typeface="+mn-ea"/>
+        <a:cs typeface="+mn-cs"/>
+      </a:defRPr>
+    </a:lvl4pPr>
+    <a:lvl5pPr marL="1828800" algn="l" defTabSz="914400" rtl="0" eaLnBrk="1" latinLnBrk="0" hangingPunct="1">
+      <a:defRPr sz="1200" kern="1200">
+        <a:solidFill>
+          <a:schemeClr val="tx1"/>
+        </a:solidFill>
+        <a:latin typeface="+mn-lt"/>
+        <a:ea typeface="+mn-ea"/>
+        <a:cs typeface="+mn-cs"/>
+      </a:defRPr>
+    </a:lvl5pPr>
+    <a:lvl6pPr marL="2286000" algn="l" defTabSz="914400" rtl="0" eaLnBrk="1" latinLnBrk="0" hangingPunct="1">
+      <a:defRPr sz="1200" kern="1200">
+        <a:solidFill>
+          <a:schemeClr val="tx1"/>
+        </a:solidFill>
+        <a:latin typeface="+mn-lt"/>
+        <a:ea typeface="+mn-ea"/>
+        <a:cs typeface="+mn-cs"/>
+      </a:defRPr>
+    </a:lvl6pPr>
+    <a:lvl7pPr marL="2743200" algn="l" defTabSz="914400" rtl="0" eaLnBrk="1" latinLnBrk="0" hangingPunct="1">
+      <a:defRPr sz="1200" kern="1200">
+        <a:solidFill>
+          <a:schemeClr val="tx1"/>
+        </a:solidFill>
+        <a:latin typeface="+mn-lt"/>
+        <a:ea typeface="+mn-ea"/>
+        <a:cs typeface="+mn-cs"/>
+      </a:defRPr>
+    </a:lvl7pPr>
+    <a:lvl8pPr marL="3200400" algn="l" defTabSz="914400" rtl="0" eaLnBrk="1" latinLnBrk="0" hangingPunct="1">
+      <a:defRPr sz="1200" kern="1200">
+        <a:solidFill>
+          <a:schemeClr val="tx1"/>
+        </a:solidFill>
+        <a:latin typeface="+mn-lt"/>
+        <a:ea typeface="+mn-ea"/>
+        <a:cs typeface="+mn-cs"/>
+      </a:defRPr>
+    </a:lvl8pPr>
+    <a:lvl9pPr marL="3657600" algn="l" defTabSz="914400" rtl="0" eaLnBrk="1" latinLnBrk="0" hangingPunct="1">
+      <a:defRPr sz="1200" kern="1200">
+        <a:solidFill>
+          <a:schemeClr val="tx1"/>
+        </a:solidFill>
+        <a:latin typeface="+mn-lt"/>
+        <a:ea typeface="+mn-ea"/>
+        <a:cs typeface="+mn-cs"/>
+      </a:defRPr>
+    </a:lvl9pPr>
+  </p:notesStyle>
+</p:notesMaster>
+</file>
+
+<file path=ppt/notesSlides/notesSlide1.xml><?xml version="1.0" encoding="utf-8"?>
+<p:notes xmlns:a="http://schemas.openxmlformats.org/drawingml/2006/main" xmlns:r="http://schemas.openxmlformats.org/officeDocument/2006/relationships" xmlns:p="http://schemas.openxmlformats.org/presentationml/2006/main">
+  <p:cSld>
+    <p:spTree>
+      <p:nvGrpSpPr>
+        <p:cNvPr id="1" name=""/>
+        <p:cNvGrpSpPr/>
+        <p:nvPr/>
+      </p:nvGrpSpPr>
+      <p:grpSpPr>
+        <a:xfrm>
+          <a:off x="0" y="0"/>
+          <a:ext cx="0" cy="0"/>
+          <a:chOff x="0" y="0"/>
+          <a:chExt cx="0" cy="0"/>
+        </a:xfrm>
+      </p:grpSpPr>
+      <p:sp>
+        <p:nvSpPr>
+          <p:cNvPr id="2" name="Slide Image Placeholder 1"/>
+          <p:cNvSpPr>
+            <a:spLocks noGrp="1" noRot="1" noChangeAspect="1"/>
+          </p:cNvSpPr>
+          <p:nvPr>
+            <p:ph type="sldImg"/>
+          </p:nvPr>
+        </p:nvSpPr>
+        <p:spPr/>
+      </p:sp>
+      <p:sp>
+        <p:nvSpPr>
+          <p:cNvPr id="3" name="Notes Placeholder 2"/>
+          <p:cNvSpPr>
+            <a:spLocks noGrp="1"/>
+          </p:cNvSpPr>
+          <p:nvPr>
+            <p:ph type="body" idx="1"/>
+          </p:nvPr>
+        </p:nvSpPr>
+        <p:spPr/>
+        <p:txBody>
+          <a:bodyPr/>
+          <a:lstStyle/>
+          <a:p>
+            <a:endParaRPr lang="en-US" dirty="0"/>
+          </a:p>
+        </p:txBody>
+      </p:sp>
+      <p:sp>
+        <p:nvSpPr>
+          <p:cNvPr id="4" name="Slide Number Placeholder 3"/>
+          <p:cNvSpPr>
+            <a:spLocks noGrp="1"/>
+          </p:cNvSpPr>
+          <p:nvPr>
+            <p:ph type="sldNum" sz="quarter" idx="5"/>
+          </p:nvPr>
+        </p:nvSpPr>
+        <p:spPr/>
+        <p:txBody>
+          <a:bodyPr/>
+          <a:lstStyle/>
+          <a:p>
+            <a:fld id="{E76B359C-61B2-C346-A47F-B7226023F435}" type="slidenum">
+              <a:rPr lang="en-US" smtClean="0"/>
+              <a:t>11</a:t>
+            </a:fld>
+            <a:endParaRPr lang="en-US"/>
+          </a:p>
+        </p:txBody>
+      </p:sp>
+    </p:spTree>
+    <p:extLst>
+      <p:ext uri="{BB962C8B-B14F-4D97-AF65-F5344CB8AC3E}">
+        <p14:creationId xmlns:p14="http://schemas.microsoft.com/office/powerpoint/2010/main" val="4210997921"/>
+      </p:ext>
+    </p:extLst>
+  </p:cSld>
+  <p:clrMapOvr>
+    <a:masterClrMapping/>
+  </p:clrMapOvr>
+</p:notes>
 </file>
 
 <file path=ppt/slideLayouts/slideLayout1.xml><?xml version="1.0" encoding="utf-8"?>
@@ -16041,3868 +16476,6 @@
 <file path=ppt/slides/slide10.xml><?xml version="1.0" encoding="utf-8"?>
 <p:sld xmlns:a="http://schemas.openxmlformats.org/drawingml/2006/main" xmlns:r="http://schemas.openxmlformats.org/officeDocument/2006/relationships" xmlns:p="http://schemas.openxmlformats.org/presentationml/2006/main">
   <p:cSld>
-    <p:bg>
-      <p:bgPr>
-        <a:solidFill>
-          <a:schemeClr val="bg1"/>
-        </a:solidFill>
-        <a:effectLst/>
-      </p:bgPr>
-    </p:bg>
-    <p:spTree>
-      <p:nvGrpSpPr>
-        <p:cNvPr id="1" name="">
-          <a:extLst>
-            <a:ext uri="{FF2B5EF4-FFF2-40B4-BE49-F238E27FC236}">
-              <a16:creationId xmlns:a16="http://schemas.microsoft.com/office/drawing/2014/main" id="{21ABEDE4-BC2E-A967-38EC-A16BB7DA6C9C}"/>
-            </a:ext>
-          </a:extLst>
-        </p:cNvPr>
-        <p:cNvGrpSpPr/>
-        <p:nvPr/>
-      </p:nvGrpSpPr>
-      <p:grpSpPr>
-        <a:xfrm>
-          <a:off x="0" y="0"/>
-          <a:ext cx="0" cy="0"/>
-          <a:chOff x="0" y="0"/>
-          <a:chExt cx="0" cy="0"/>
-        </a:xfrm>
-      </p:grpSpPr>
-      <p:grpSp>
-        <p:nvGrpSpPr>
-          <p:cNvPr id="238" name="Group 237">
-            <a:extLst>
-              <a:ext uri="{FF2B5EF4-FFF2-40B4-BE49-F238E27FC236}">
-                <a16:creationId xmlns:a16="http://schemas.microsoft.com/office/drawing/2014/main" id="{BDF0D99C-5D42-41C6-A50C-C4E2D6B2A36E}"/>
-              </a:ext>
-              <a:ext uri="{C183D7F6-B498-43B3-948B-1728B52AA6E4}">
-                <adec:decorative xmlns:adec="http://schemas.microsoft.com/office/drawing/2017/decorative" val="1"/>
-              </a:ext>
-            </a:extLst>
-          </p:cNvPr>
-          <p:cNvGrpSpPr>
-            <a:grpSpLocks noGrp="1" noUngrp="1" noRot="1" noChangeAspect="1" noMove="1" noResize="1"/>
-          </p:cNvGrpSpPr>
-          <p:nvPr>
-            <p:extLst>
-              <p:ext uri="{386F3935-93C4-4BCD-93E2-E3B085C9AB24}">
-                <p16:designElem xmlns:p16="http://schemas.microsoft.com/office/powerpoint/2015/main" val="1"/>
-              </p:ext>
-            </p:extLst>
-          </p:nvPr>
-        </p:nvGrpSpPr>
-        <p:grpSpPr>
-          <a:xfrm>
-            <a:off x="-6214" y="-1"/>
-            <a:ext cx="12214827" cy="6858000"/>
-            <a:chOff x="-6214" y="-1"/>
-            <a:chExt cx="12214827" cy="6858000"/>
-          </a:xfrm>
-        </p:grpSpPr>
-        <p:cxnSp>
-          <p:nvCxnSpPr>
-            <p:cNvPr id="239" name="Straight Connector 238">
-              <a:extLst>
-                <a:ext uri="{FF2B5EF4-FFF2-40B4-BE49-F238E27FC236}">
-                  <a16:creationId xmlns:a16="http://schemas.microsoft.com/office/drawing/2014/main" id="{5F28962D-50BA-43F8-8863-28ECE711D3FC}"/>
-                </a:ext>
-                <a:ext uri="{C183D7F6-B498-43B3-948B-1728B52AA6E4}">
-                  <adec:decorative xmlns:adec="http://schemas.microsoft.com/office/drawing/2017/decorative" val="1"/>
-                </a:ext>
-              </a:extLst>
-            </p:cNvPr>
-            <p:cNvCxnSpPr>
-              <a:cxnSpLocks/>
-            </p:cNvCxnSpPr>
-            <p:nvPr>
-              <p:extLst>
-                <p:ext uri="{386F3935-93C4-4BCD-93E2-E3B085C9AB24}">
-                  <p16:designElem xmlns:p16="http://schemas.microsoft.com/office/powerpoint/2015/main" val="1"/>
-                </p:ext>
-              </p:extLst>
-            </p:nvPr>
-          </p:nvCxnSpPr>
-          <p:spPr>
-            <a:xfrm>
-              <a:off x="-6214" y="6686283"/>
-              <a:ext cx="12192000" cy="0"/>
-            </a:xfrm>
-            <a:prstGeom prst="line">
-              <a:avLst/>
-            </a:prstGeom>
-            <a:ln w="12700">
-              <a:solidFill>
-                <a:srgbClr val="BCBCBC">
-                  <a:alpha val="29804"/>
-                </a:srgbClr>
-              </a:solidFill>
-              <a:prstDash val="sysDot"/>
-            </a:ln>
-          </p:spPr>
-          <p:style>
-            <a:lnRef idx="1">
-              <a:schemeClr val="accent1"/>
-            </a:lnRef>
-            <a:fillRef idx="0">
-              <a:schemeClr val="accent1"/>
-            </a:fillRef>
-            <a:effectRef idx="0">
-              <a:schemeClr val="accent1"/>
-            </a:effectRef>
-            <a:fontRef idx="minor">
-              <a:schemeClr val="tx1"/>
-            </a:fontRef>
-          </p:style>
-        </p:cxnSp>
-        <p:cxnSp>
-          <p:nvCxnSpPr>
-            <p:cNvPr id="240" name="Straight Connector 239">
-              <a:extLst>
-                <a:ext uri="{FF2B5EF4-FFF2-40B4-BE49-F238E27FC236}">
-                  <a16:creationId xmlns:a16="http://schemas.microsoft.com/office/drawing/2014/main" id="{780F5939-D4E0-46FD-9A5A-5D648E381092}"/>
-                </a:ext>
-                <a:ext uri="{C183D7F6-B498-43B3-948B-1728B52AA6E4}">
-                  <adec:decorative xmlns:adec="http://schemas.microsoft.com/office/drawing/2017/decorative" val="1"/>
-                </a:ext>
-              </a:extLst>
-            </p:cNvPr>
-            <p:cNvCxnSpPr>
-              <a:cxnSpLocks/>
-            </p:cNvCxnSpPr>
-            <p:nvPr>
-              <p:extLst>
-                <p:ext uri="{386F3935-93C4-4BCD-93E2-E3B085C9AB24}">
-                  <p16:designElem xmlns:p16="http://schemas.microsoft.com/office/powerpoint/2015/main" val="1"/>
-                </p:ext>
-              </p:extLst>
-            </p:nvPr>
-          </p:nvCxnSpPr>
-          <p:spPr>
-            <a:xfrm>
-              <a:off x="0" y="-1"/>
-              <a:ext cx="0" cy="6858000"/>
-            </a:xfrm>
-            <a:prstGeom prst="line">
-              <a:avLst/>
-            </a:prstGeom>
-            <a:ln w="12700">
-              <a:solidFill>
-                <a:srgbClr val="BCBCBC">
-                  <a:alpha val="29804"/>
-                </a:srgbClr>
-              </a:solidFill>
-              <a:prstDash val="sysDot"/>
-            </a:ln>
-          </p:spPr>
-          <p:style>
-            <a:lnRef idx="1">
-              <a:schemeClr val="accent1"/>
-            </a:lnRef>
-            <a:fillRef idx="0">
-              <a:schemeClr val="accent1"/>
-            </a:fillRef>
-            <a:effectRef idx="0">
-              <a:schemeClr val="accent1"/>
-            </a:effectRef>
-            <a:fontRef idx="minor">
-              <a:schemeClr val="tx1"/>
-            </a:fontRef>
-          </p:style>
-        </p:cxnSp>
-        <p:cxnSp>
-          <p:nvCxnSpPr>
-            <p:cNvPr id="241" name="Straight Connector 240">
-              <a:extLst>
-                <a:ext uri="{FF2B5EF4-FFF2-40B4-BE49-F238E27FC236}">
-                  <a16:creationId xmlns:a16="http://schemas.microsoft.com/office/drawing/2014/main" id="{8633D331-78CB-40A1-B167-8185EC5D707B}"/>
-                </a:ext>
-                <a:ext uri="{C183D7F6-B498-43B3-948B-1728B52AA6E4}">
-                  <adec:decorative xmlns:adec="http://schemas.microsoft.com/office/drawing/2017/decorative" val="1"/>
-                </a:ext>
-              </a:extLst>
-            </p:cNvPr>
-            <p:cNvCxnSpPr>
-              <a:cxnSpLocks/>
-            </p:cNvCxnSpPr>
-            <p:nvPr>
-              <p:extLst>
-                <p:ext uri="{386F3935-93C4-4BCD-93E2-E3B085C9AB24}">
-                  <p16:designElem xmlns:p16="http://schemas.microsoft.com/office/powerpoint/2015/main" val="1"/>
-                </p:ext>
-              </p:extLst>
-            </p:nvPr>
-          </p:nvCxnSpPr>
-          <p:spPr>
-            <a:xfrm>
-              <a:off x="11993258" y="-1"/>
-              <a:ext cx="0" cy="6858000"/>
-            </a:xfrm>
-            <a:prstGeom prst="line">
-              <a:avLst/>
-            </a:prstGeom>
-            <a:ln w="12700">
-              <a:solidFill>
-                <a:srgbClr val="BCBCBC">
-                  <a:alpha val="29804"/>
-                </a:srgbClr>
-              </a:solidFill>
-              <a:prstDash val="sysDot"/>
-            </a:ln>
-          </p:spPr>
-          <p:style>
-            <a:lnRef idx="1">
-              <a:schemeClr val="accent1"/>
-            </a:lnRef>
-            <a:fillRef idx="0">
-              <a:schemeClr val="accent1"/>
-            </a:fillRef>
-            <a:effectRef idx="0">
-              <a:schemeClr val="accent1"/>
-            </a:effectRef>
-            <a:fontRef idx="minor">
-              <a:schemeClr val="tx1"/>
-            </a:fontRef>
-          </p:style>
-        </p:cxnSp>
-        <p:cxnSp>
-          <p:nvCxnSpPr>
-            <p:cNvPr id="242" name="Straight Connector 241">
-              <a:extLst>
-                <a:ext uri="{FF2B5EF4-FFF2-40B4-BE49-F238E27FC236}">
-                  <a16:creationId xmlns:a16="http://schemas.microsoft.com/office/drawing/2014/main" id="{C512E4B1-E78E-49E7-AA36-374CC1B084E4}"/>
-                </a:ext>
-                <a:ext uri="{C183D7F6-B498-43B3-948B-1728B52AA6E4}">
-                  <adec:decorative xmlns:adec="http://schemas.microsoft.com/office/drawing/2017/decorative" val="1"/>
-                </a:ext>
-              </a:extLst>
-            </p:cNvPr>
-            <p:cNvCxnSpPr>
-              <a:cxnSpLocks/>
-            </p:cNvCxnSpPr>
-            <p:nvPr>
-              <p:extLst>
-                <p:ext uri="{386F3935-93C4-4BCD-93E2-E3B085C9AB24}">
-                  <p16:designElem xmlns:p16="http://schemas.microsoft.com/office/powerpoint/2015/main" val="1"/>
-                </p:ext>
-              </p:extLst>
-            </p:nvPr>
-          </p:nvCxnSpPr>
-          <p:spPr>
-            <a:xfrm>
-              <a:off x="192528" y="-1"/>
-              <a:ext cx="0" cy="6858000"/>
-            </a:xfrm>
-            <a:prstGeom prst="line">
-              <a:avLst/>
-            </a:prstGeom>
-            <a:ln w="12700">
-              <a:solidFill>
-                <a:srgbClr val="BCBCBC">
-                  <a:alpha val="29804"/>
-                </a:srgbClr>
-              </a:solidFill>
-              <a:prstDash val="sysDot"/>
-            </a:ln>
-          </p:spPr>
-          <p:style>
-            <a:lnRef idx="1">
-              <a:schemeClr val="accent1"/>
-            </a:lnRef>
-            <a:fillRef idx="0">
-              <a:schemeClr val="accent1"/>
-            </a:fillRef>
-            <a:effectRef idx="0">
-              <a:schemeClr val="accent1"/>
-            </a:effectRef>
-            <a:fontRef idx="minor">
-              <a:schemeClr val="tx1"/>
-            </a:fontRef>
-          </p:style>
-        </p:cxnSp>
-        <p:cxnSp>
-          <p:nvCxnSpPr>
-            <p:cNvPr id="243" name="Straight Connector 242">
-              <a:extLst>
-                <a:ext uri="{FF2B5EF4-FFF2-40B4-BE49-F238E27FC236}">
-                  <a16:creationId xmlns:a16="http://schemas.microsoft.com/office/drawing/2014/main" id="{A7D46340-CBFC-490F-B44E-7AA8FBF58B05}"/>
-                </a:ext>
-                <a:ext uri="{C183D7F6-B498-43B3-948B-1728B52AA6E4}">
-                  <adec:decorative xmlns:adec="http://schemas.microsoft.com/office/drawing/2017/decorative" val="1"/>
-                </a:ext>
-              </a:extLst>
-            </p:cNvPr>
-            <p:cNvCxnSpPr>
-              <a:cxnSpLocks/>
-            </p:cNvCxnSpPr>
-            <p:nvPr>
-              <p:extLst>
-                <p:ext uri="{386F3935-93C4-4BCD-93E2-E3B085C9AB24}">
-                  <p16:designElem xmlns:p16="http://schemas.microsoft.com/office/powerpoint/2015/main" val="1"/>
-                </p:ext>
-              </p:extLst>
-            </p:nvPr>
-          </p:nvCxnSpPr>
-          <p:spPr>
-            <a:xfrm>
-              <a:off x="1175922" y="-1"/>
-              <a:ext cx="0" cy="6858000"/>
-            </a:xfrm>
-            <a:prstGeom prst="line">
-              <a:avLst/>
-            </a:prstGeom>
-            <a:ln w="12700">
-              <a:solidFill>
-                <a:srgbClr val="BCBCBC">
-                  <a:alpha val="29804"/>
-                </a:srgbClr>
-              </a:solidFill>
-              <a:prstDash val="sysDot"/>
-            </a:ln>
-          </p:spPr>
-          <p:style>
-            <a:lnRef idx="1">
-              <a:schemeClr val="accent1"/>
-            </a:lnRef>
-            <a:fillRef idx="0">
-              <a:schemeClr val="accent1"/>
-            </a:fillRef>
-            <a:effectRef idx="0">
-              <a:schemeClr val="accent1"/>
-            </a:effectRef>
-            <a:fontRef idx="minor">
-              <a:schemeClr val="tx1"/>
-            </a:fontRef>
-          </p:style>
-        </p:cxnSp>
-        <p:cxnSp>
-          <p:nvCxnSpPr>
-            <p:cNvPr id="244" name="Straight Connector 243">
-              <a:extLst>
-                <a:ext uri="{FF2B5EF4-FFF2-40B4-BE49-F238E27FC236}">
-                  <a16:creationId xmlns:a16="http://schemas.microsoft.com/office/drawing/2014/main" id="{3575C26C-3EBD-4AA9-BA4D-2561E295D65D}"/>
-                </a:ext>
-                <a:ext uri="{C183D7F6-B498-43B3-948B-1728B52AA6E4}">
-                  <adec:decorative xmlns:adec="http://schemas.microsoft.com/office/drawing/2017/decorative" val="1"/>
-                </a:ext>
-              </a:extLst>
-            </p:cNvPr>
-            <p:cNvCxnSpPr>
-              <a:cxnSpLocks/>
-            </p:cNvCxnSpPr>
-            <p:nvPr>
-              <p:extLst>
-                <p:ext uri="{386F3935-93C4-4BCD-93E2-E3B085C9AB24}">
-                  <p16:designElem xmlns:p16="http://schemas.microsoft.com/office/powerpoint/2015/main" val="1"/>
-                </p:ext>
-              </p:extLst>
-            </p:nvPr>
-          </p:nvCxnSpPr>
-          <p:spPr>
-            <a:xfrm>
-              <a:off x="2159316" y="-1"/>
-              <a:ext cx="0" cy="6858000"/>
-            </a:xfrm>
-            <a:prstGeom prst="line">
-              <a:avLst/>
-            </a:prstGeom>
-            <a:ln w="12700">
-              <a:solidFill>
-                <a:srgbClr val="BCBCBC">
-                  <a:alpha val="29804"/>
-                </a:srgbClr>
-              </a:solidFill>
-              <a:prstDash val="sysDot"/>
-            </a:ln>
-          </p:spPr>
-          <p:style>
-            <a:lnRef idx="1">
-              <a:schemeClr val="accent1"/>
-            </a:lnRef>
-            <a:fillRef idx="0">
-              <a:schemeClr val="accent1"/>
-            </a:fillRef>
-            <a:effectRef idx="0">
-              <a:schemeClr val="accent1"/>
-            </a:effectRef>
-            <a:fontRef idx="minor">
-              <a:schemeClr val="tx1"/>
-            </a:fontRef>
-          </p:style>
-        </p:cxnSp>
-        <p:cxnSp>
-          <p:nvCxnSpPr>
-            <p:cNvPr id="245" name="Straight Connector 244">
-              <a:extLst>
-                <a:ext uri="{FF2B5EF4-FFF2-40B4-BE49-F238E27FC236}">
-                  <a16:creationId xmlns:a16="http://schemas.microsoft.com/office/drawing/2014/main" id="{235DB6BE-E065-4559-BF5C-36B56B379040}"/>
-                </a:ext>
-                <a:ext uri="{C183D7F6-B498-43B3-948B-1728B52AA6E4}">
-                  <adec:decorative xmlns:adec="http://schemas.microsoft.com/office/drawing/2017/decorative" val="1"/>
-                </a:ext>
-              </a:extLst>
-            </p:cNvPr>
-            <p:cNvCxnSpPr>
-              <a:cxnSpLocks/>
-            </p:cNvCxnSpPr>
-            <p:nvPr>
-              <p:extLst>
-                <p:ext uri="{386F3935-93C4-4BCD-93E2-E3B085C9AB24}">
-                  <p16:designElem xmlns:p16="http://schemas.microsoft.com/office/powerpoint/2015/main" val="1"/>
-                </p:ext>
-              </p:extLst>
-            </p:nvPr>
-          </p:nvCxnSpPr>
-          <p:spPr>
-            <a:xfrm>
-              <a:off x="3142710" y="-1"/>
-              <a:ext cx="0" cy="6858000"/>
-            </a:xfrm>
-            <a:prstGeom prst="line">
-              <a:avLst/>
-            </a:prstGeom>
-            <a:ln w="12700">
-              <a:solidFill>
-                <a:srgbClr val="BCBCBC">
-                  <a:alpha val="29804"/>
-                </a:srgbClr>
-              </a:solidFill>
-              <a:prstDash val="sysDot"/>
-            </a:ln>
-          </p:spPr>
-          <p:style>
-            <a:lnRef idx="1">
-              <a:schemeClr val="accent1"/>
-            </a:lnRef>
-            <a:fillRef idx="0">
-              <a:schemeClr val="accent1"/>
-            </a:fillRef>
-            <a:effectRef idx="0">
-              <a:schemeClr val="accent1"/>
-            </a:effectRef>
-            <a:fontRef idx="minor">
-              <a:schemeClr val="tx1"/>
-            </a:fontRef>
-          </p:style>
-        </p:cxnSp>
-        <p:cxnSp>
-          <p:nvCxnSpPr>
-            <p:cNvPr id="246" name="Straight Connector 245">
-              <a:extLst>
-                <a:ext uri="{FF2B5EF4-FFF2-40B4-BE49-F238E27FC236}">
-                  <a16:creationId xmlns:a16="http://schemas.microsoft.com/office/drawing/2014/main" id="{3DA54272-CD9D-4F68-BBAB-4F0C0C3EC635}"/>
-                </a:ext>
-                <a:ext uri="{C183D7F6-B498-43B3-948B-1728B52AA6E4}">
-                  <adec:decorative xmlns:adec="http://schemas.microsoft.com/office/drawing/2017/decorative" val="1"/>
-                </a:ext>
-              </a:extLst>
-            </p:cNvPr>
-            <p:cNvCxnSpPr>
-              <a:cxnSpLocks/>
-            </p:cNvCxnSpPr>
-            <p:nvPr>
-              <p:extLst>
-                <p:ext uri="{386F3935-93C4-4BCD-93E2-E3B085C9AB24}">
-                  <p16:designElem xmlns:p16="http://schemas.microsoft.com/office/powerpoint/2015/main" val="1"/>
-                </p:ext>
-              </p:extLst>
-            </p:nvPr>
-          </p:nvCxnSpPr>
-          <p:spPr>
-            <a:xfrm>
-              <a:off x="4126104" y="-1"/>
-              <a:ext cx="0" cy="6858000"/>
-            </a:xfrm>
-            <a:prstGeom prst="line">
-              <a:avLst/>
-            </a:prstGeom>
-            <a:ln w="12700">
-              <a:solidFill>
-                <a:srgbClr val="BCBCBC">
-                  <a:alpha val="29804"/>
-                </a:srgbClr>
-              </a:solidFill>
-              <a:prstDash val="sysDot"/>
-            </a:ln>
-          </p:spPr>
-          <p:style>
-            <a:lnRef idx="1">
-              <a:schemeClr val="accent1"/>
-            </a:lnRef>
-            <a:fillRef idx="0">
-              <a:schemeClr val="accent1"/>
-            </a:fillRef>
-            <a:effectRef idx="0">
-              <a:schemeClr val="accent1"/>
-            </a:effectRef>
-            <a:fontRef idx="minor">
-              <a:schemeClr val="tx1"/>
-            </a:fontRef>
-          </p:style>
-        </p:cxnSp>
-        <p:cxnSp>
-          <p:nvCxnSpPr>
-            <p:cNvPr id="247" name="Straight Connector 246">
-              <a:extLst>
-                <a:ext uri="{FF2B5EF4-FFF2-40B4-BE49-F238E27FC236}">
-                  <a16:creationId xmlns:a16="http://schemas.microsoft.com/office/drawing/2014/main" id="{A002CE8F-9256-4F2C-B474-58873717119E}"/>
-                </a:ext>
-                <a:ext uri="{C183D7F6-B498-43B3-948B-1728B52AA6E4}">
-                  <adec:decorative xmlns:adec="http://schemas.microsoft.com/office/drawing/2017/decorative" val="1"/>
-                </a:ext>
-              </a:extLst>
-            </p:cNvPr>
-            <p:cNvCxnSpPr>
-              <a:cxnSpLocks/>
-            </p:cNvCxnSpPr>
-            <p:nvPr>
-              <p:extLst>
-                <p:ext uri="{386F3935-93C4-4BCD-93E2-E3B085C9AB24}">
-                  <p16:designElem xmlns:p16="http://schemas.microsoft.com/office/powerpoint/2015/main" val="1"/>
-                </p:ext>
-              </p:extLst>
-            </p:nvPr>
-          </p:nvCxnSpPr>
-          <p:spPr>
-            <a:xfrm>
-              <a:off x="5109498" y="-1"/>
-              <a:ext cx="0" cy="6858000"/>
-            </a:xfrm>
-            <a:prstGeom prst="line">
-              <a:avLst/>
-            </a:prstGeom>
-            <a:ln w="12700">
-              <a:solidFill>
-                <a:srgbClr val="BCBCBC">
-                  <a:alpha val="29804"/>
-                </a:srgbClr>
-              </a:solidFill>
-              <a:prstDash val="sysDot"/>
-            </a:ln>
-          </p:spPr>
-          <p:style>
-            <a:lnRef idx="1">
-              <a:schemeClr val="accent1"/>
-            </a:lnRef>
-            <a:fillRef idx="0">
-              <a:schemeClr val="accent1"/>
-            </a:fillRef>
-            <a:effectRef idx="0">
-              <a:schemeClr val="accent1"/>
-            </a:effectRef>
-            <a:fontRef idx="minor">
-              <a:schemeClr val="tx1"/>
-            </a:fontRef>
-          </p:style>
-        </p:cxnSp>
-        <p:cxnSp>
-          <p:nvCxnSpPr>
-            <p:cNvPr id="248" name="Straight Connector 247">
-              <a:extLst>
-                <a:ext uri="{FF2B5EF4-FFF2-40B4-BE49-F238E27FC236}">
-                  <a16:creationId xmlns:a16="http://schemas.microsoft.com/office/drawing/2014/main" id="{59C9DE9F-4252-401D-913E-B74C9E326F98}"/>
-                </a:ext>
-                <a:ext uri="{C183D7F6-B498-43B3-948B-1728B52AA6E4}">
-                  <adec:decorative xmlns:adec="http://schemas.microsoft.com/office/drawing/2017/decorative" val="1"/>
-                </a:ext>
-              </a:extLst>
-            </p:cNvPr>
-            <p:cNvCxnSpPr>
-              <a:cxnSpLocks/>
-            </p:cNvCxnSpPr>
-            <p:nvPr>
-              <p:extLst>
-                <p:ext uri="{386F3935-93C4-4BCD-93E2-E3B085C9AB24}">
-                  <p16:designElem xmlns:p16="http://schemas.microsoft.com/office/powerpoint/2015/main" val="1"/>
-                </p:ext>
-              </p:extLst>
-            </p:nvPr>
-          </p:nvCxnSpPr>
-          <p:spPr>
-            <a:xfrm>
-              <a:off x="6092892" y="-1"/>
-              <a:ext cx="0" cy="6858000"/>
-            </a:xfrm>
-            <a:prstGeom prst="line">
-              <a:avLst/>
-            </a:prstGeom>
-            <a:ln w="12700">
-              <a:solidFill>
-                <a:srgbClr val="BCBCBC">
-                  <a:alpha val="29804"/>
-                </a:srgbClr>
-              </a:solidFill>
-              <a:prstDash val="sysDot"/>
-            </a:ln>
-          </p:spPr>
-          <p:style>
-            <a:lnRef idx="1">
-              <a:schemeClr val="accent1"/>
-            </a:lnRef>
-            <a:fillRef idx="0">
-              <a:schemeClr val="accent1"/>
-            </a:fillRef>
-            <a:effectRef idx="0">
-              <a:schemeClr val="accent1"/>
-            </a:effectRef>
-            <a:fontRef idx="minor">
-              <a:schemeClr val="tx1"/>
-            </a:fontRef>
-          </p:style>
-        </p:cxnSp>
-        <p:cxnSp>
-          <p:nvCxnSpPr>
-            <p:cNvPr id="249" name="Straight Connector 248">
-              <a:extLst>
-                <a:ext uri="{FF2B5EF4-FFF2-40B4-BE49-F238E27FC236}">
-                  <a16:creationId xmlns:a16="http://schemas.microsoft.com/office/drawing/2014/main" id="{8FE4E69B-534F-4A80-9E1C-798BEE1B0795}"/>
-                </a:ext>
-                <a:ext uri="{C183D7F6-B498-43B3-948B-1728B52AA6E4}">
-                  <adec:decorative xmlns:adec="http://schemas.microsoft.com/office/drawing/2017/decorative" val="1"/>
-                </a:ext>
-              </a:extLst>
-            </p:cNvPr>
-            <p:cNvCxnSpPr>
-              <a:cxnSpLocks/>
-            </p:cNvCxnSpPr>
-            <p:nvPr>
-              <p:extLst>
-                <p:ext uri="{386F3935-93C4-4BCD-93E2-E3B085C9AB24}">
-                  <p16:designElem xmlns:p16="http://schemas.microsoft.com/office/powerpoint/2015/main" val="1"/>
-                </p:ext>
-              </p:extLst>
-            </p:nvPr>
-          </p:nvCxnSpPr>
-          <p:spPr>
-            <a:xfrm>
-              <a:off x="7076286" y="-1"/>
-              <a:ext cx="0" cy="6858000"/>
-            </a:xfrm>
-            <a:prstGeom prst="line">
-              <a:avLst/>
-            </a:prstGeom>
-            <a:ln w="12700">
-              <a:solidFill>
-                <a:srgbClr val="BCBCBC">
-                  <a:alpha val="29804"/>
-                </a:srgbClr>
-              </a:solidFill>
-              <a:prstDash val="sysDot"/>
-            </a:ln>
-          </p:spPr>
-          <p:style>
-            <a:lnRef idx="1">
-              <a:schemeClr val="accent1"/>
-            </a:lnRef>
-            <a:fillRef idx="0">
-              <a:schemeClr val="accent1"/>
-            </a:fillRef>
-            <a:effectRef idx="0">
-              <a:schemeClr val="accent1"/>
-            </a:effectRef>
-            <a:fontRef idx="minor">
-              <a:schemeClr val="tx1"/>
-            </a:fontRef>
-          </p:style>
-        </p:cxnSp>
-        <p:cxnSp>
-          <p:nvCxnSpPr>
-            <p:cNvPr id="250" name="Straight Connector 249">
-              <a:extLst>
-                <a:ext uri="{FF2B5EF4-FFF2-40B4-BE49-F238E27FC236}">
-                  <a16:creationId xmlns:a16="http://schemas.microsoft.com/office/drawing/2014/main" id="{27564E1C-009C-4832-AE8D-E98286693F0C}"/>
-                </a:ext>
-                <a:ext uri="{C183D7F6-B498-43B3-948B-1728B52AA6E4}">
-                  <adec:decorative xmlns:adec="http://schemas.microsoft.com/office/drawing/2017/decorative" val="1"/>
-                </a:ext>
-              </a:extLst>
-            </p:cNvPr>
-            <p:cNvCxnSpPr>
-              <a:cxnSpLocks/>
-            </p:cNvCxnSpPr>
-            <p:nvPr>
-              <p:extLst>
-                <p:ext uri="{386F3935-93C4-4BCD-93E2-E3B085C9AB24}">
-                  <p16:designElem xmlns:p16="http://schemas.microsoft.com/office/powerpoint/2015/main" val="1"/>
-                </p:ext>
-              </p:extLst>
-            </p:nvPr>
-          </p:nvCxnSpPr>
-          <p:spPr>
-            <a:xfrm>
-              <a:off x="8059680" y="-1"/>
-              <a:ext cx="0" cy="6858000"/>
-            </a:xfrm>
-            <a:prstGeom prst="line">
-              <a:avLst/>
-            </a:prstGeom>
-            <a:ln w="12700">
-              <a:solidFill>
-                <a:srgbClr val="BCBCBC">
-                  <a:alpha val="29804"/>
-                </a:srgbClr>
-              </a:solidFill>
-              <a:prstDash val="sysDot"/>
-            </a:ln>
-          </p:spPr>
-          <p:style>
-            <a:lnRef idx="1">
-              <a:schemeClr val="accent1"/>
-            </a:lnRef>
-            <a:fillRef idx="0">
-              <a:schemeClr val="accent1"/>
-            </a:fillRef>
-            <a:effectRef idx="0">
-              <a:schemeClr val="accent1"/>
-            </a:effectRef>
-            <a:fontRef idx="minor">
-              <a:schemeClr val="tx1"/>
-            </a:fontRef>
-          </p:style>
-        </p:cxnSp>
-        <p:cxnSp>
-          <p:nvCxnSpPr>
-            <p:cNvPr id="251" name="Straight Connector 250">
-              <a:extLst>
-                <a:ext uri="{FF2B5EF4-FFF2-40B4-BE49-F238E27FC236}">
-                  <a16:creationId xmlns:a16="http://schemas.microsoft.com/office/drawing/2014/main" id="{4305DF1C-5801-43F2-A8B9-5351369418C0}"/>
-                </a:ext>
-                <a:ext uri="{C183D7F6-B498-43B3-948B-1728B52AA6E4}">
-                  <adec:decorative xmlns:adec="http://schemas.microsoft.com/office/drawing/2017/decorative" val="1"/>
-                </a:ext>
-              </a:extLst>
-            </p:cNvPr>
-            <p:cNvCxnSpPr>
-              <a:cxnSpLocks/>
-            </p:cNvCxnSpPr>
-            <p:nvPr>
-              <p:extLst>
-                <p:ext uri="{386F3935-93C4-4BCD-93E2-E3B085C9AB24}">
-                  <p16:designElem xmlns:p16="http://schemas.microsoft.com/office/powerpoint/2015/main" val="1"/>
-                </p:ext>
-              </p:extLst>
-            </p:nvPr>
-          </p:nvCxnSpPr>
-          <p:spPr>
-            <a:xfrm>
-              <a:off x="9043074" y="-1"/>
-              <a:ext cx="0" cy="6858000"/>
-            </a:xfrm>
-            <a:prstGeom prst="line">
-              <a:avLst/>
-            </a:prstGeom>
-            <a:ln w="12700">
-              <a:solidFill>
-                <a:srgbClr val="BCBCBC">
-                  <a:alpha val="29804"/>
-                </a:srgbClr>
-              </a:solidFill>
-              <a:prstDash val="sysDot"/>
-            </a:ln>
-          </p:spPr>
-          <p:style>
-            <a:lnRef idx="1">
-              <a:schemeClr val="accent1"/>
-            </a:lnRef>
-            <a:fillRef idx="0">
-              <a:schemeClr val="accent1"/>
-            </a:fillRef>
-            <a:effectRef idx="0">
-              <a:schemeClr val="accent1"/>
-            </a:effectRef>
-            <a:fontRef idx="minor">
-              <a:schemeClr val="tx1"/>
-            </a:fontRef>
-          </p:style>
-        </p:cxnSp>
-        <p:cxnSp>
-          <p:nvCxnSpPr>
-            <p:cNvPr id="252" name="Straight Connector 251">
-              <a:extLst>
-                <a:ext uri="{FF2B5EF4-FFF2-40B4-BE49-F238E27FC236}">
-                  <a16:creationId xmlns:a16="http://schemas.microsoft.com/office/drawing/2014/main" id="{806E71C8-0783-4E17-9B34-F51231DD2954}"/>
-                </a:ext>
-                <a:ext uri="{C183D7F6-B498-43B3-948B-1728B52AA6E4}">
-                  <adec:decorative xmlns:adec="http://schemas.microsoft.com/office/drawing/2017/decorative" val="1"/>
-                </a:ext>
-              </a:extLst>
-            </p:cNvPr>
-            <p:cNvCxnSpPr>
-              <a:cxnSpLocks/>
-            </p:cNvCxnSpPr>
-            <p:nvPr>
-              <p:extLst>
-                <p:ext uri="{386F3935-93C4-4BCD-93E2-E3B085C9AB24}">
-                  <p16:designElem xmlns:p16="http://schemas.microsoft.com/office/powerpoint/2015/main" val="1"/>
-                </p:ext>
-              </p:extLst>
-            </p:nvPr>
-          </p:nvCxnSpPr>
-          <p:spPr>
-            <a:xfrm>
-              <a:off x="10026468" y="-1"/>
-              <a:ext cx="0" cy="6858000"/>
-            </a:xfrm>
-            <a:prstGeom prst="line">
-              <a:avLst/>
-            </a:prstGeom>
-            <a:ln w="12700">
-              <a:solidFill>
-                <a:srgbClr val="BCBCBC">
-                  <a:alpha val="29804"/>
-                </a:srgbClr>
-              </a:solidFill>
-              <a:prstDash val="sysDot"/>
-            </a:ln>
-          </p:spPr>
-          <p:style>
-            <a:lnRef idx="1">
-              <a:schemeClr val="accent1"/>
-            </a:lnRef>
-            <a:fillRef idx="0">
-              <a:schemeClr val="accent1"/>
-            </a:fillRef>
-            <a:effectRef idx="0">
-              <a:schemeClr val="accent1"/>
-            </a:effectRef>
-            <a:fontRef idx="minor">
-              <a:schemeClr val="tx1"/>
-            </a:fontRef>
-          </p:style>
-        </p:cxnSp>
-        <p:cxnSp>
-          <p:nvCxnSpPr>
-            <p:cNvPr id="253" name="Straight Connector 252">
-              <a:extLst>
-                <a:ext uri="{FF2B5EF4-FFF2-40B4-BE49-F238E27FC236}">
-                  <a16:creationId xmlns:a16="http://schemas.microsoft.com/office/drawing/2014/main" id="{FD908F17-2A89-4B0A-A2EA-692390969FE0}"/>
-                </a:ext>
-                <a:ext uri="{C183D7F6-B498-43B3-948B-1728B52AA6E4}">
-                  <adec:decorative xmlns:adec="http://schemas.microsoft.com/office/drawing/2017/decorative" val="1"/>
-                </a:ext>
-              </a:extLst>
-            </p:cNvPr>
-            <p:cNvCxnSpPr>
-              <a:cxnSpLocks/>
-            </p:cNvCxnSpPr>
-            <p:nvPr>
-              <p:extLst>
-                <p:ext uri="{386F3935-93C4-4BCD-93E2-E3B085C9AB24}">
-                  <p16:designElem xmlns:p16="http://schemas.microsoft.com/office/powerpoint/2015/main" val="1"/>
-                </p:ext>
-              </p:extLst>
-            </p:nvPr>
-          </p:nvCxnSpPr>
-          <p:spPr>
-            <a:xfrm>
-              <a:off x="11009862" y="-1"/>
-              <a:ext cx="0" cy="6858000"/>
-            </a:xfrm>
-            <a:prstGeom prst="line">
-              <a:avLst/>
-            </a:prstGeom>
-            <a:ln w="12700">
-              <a:solidFill>
-                <a:srgbClr val="BCBCBC">
-                  <a:alpha val="29804"/>
-                </a:srgbClr>
-              </a:solidFill>
-              <a:prstDash val="sysDot"/>
-            </a:ln>
-          </p:spPr>
-          <p:style>
-            <a:lnRef idx="1">
-              <a:schemeClr val="accent1"/>
-            </a:lnRef>
-            <a:fillRef idx="0">
-              <a:schemeClr val="accent1"/>
-            </a:fillRef>
-            <a:effectRef idx="0">
-              <a:schemeClr val="accent1"/>
-            </a:effectRef>
-            <a:fontRef idx="minor">
-              <a:schemeClr val="tx1"/>
-            </a:fontRef>
-          </p:style>
-        </p:cxnSp>
-        <p:cxnSp>
-          <p:nvCxnSpPr>
-            <p:cNvPr id="254" name="Straight Connector 253">
-              <a:extLst>
-                <a:ext uri="{FF2B5EF4-FFF2-40B4-BE49-F238E27FC236}">
-                  <a16:creationId xmlns:a16="http://schemas.microsoft.com/office/drawing/2014/main" id="{FBE22751-380F-44F9-BEED-0A553CF87BE5}"/>
-                </a:ext>
-                <a:ext uri="{C183D7F6-B498-43B3-948B-1728B52AA6E4}">
-                  <adec:decorative xmlns:adec="http://schemas.microsoft.com/office/drawing/2017/decorative" val="1"/>
-                </a:ext>
-              </a:extLst>
-            </p:cNvPr>
-            <p:cNvCxnSpPr>
-              <a:cxnSpLocks/>
-            </p:cNvCxnSpPr>
-            <p:nvPr>
-              <p:extLst>
-                <p:ext uri="{386F3935-93C4-4BCD-93E2-E3B085C9AB24}">
-                  <p16:designElem xmlns:p16="http://schemas.microsoft.com/office/powerpoint/2015/main" val="1"/>
-                </p:ext>
-              </p:extLst>
-            </p:nvPr>
-          </p:nvCxnSpPr>
-          <p:spPr>
-            <a:xfrm>
-              <a:off x="12185786" y="-1"/>
-              <a:ext cx="0" cy="6858000"/>
-            </a:xfrm>
-            <a:prstGeom prst="line">
-              <a:avLst/>
-            </a:prstGeom>
-            <a:ln w="12700">
-              <a:solidFill>
-                <a:srgbClr val="BCBCBC">
-                  <a:alpha val="29804"/>
-                </a:srgbClr>
-              </a:solidFill>
-              <a:prstDash val="sysDot"/>
-            </a:ln>
-          </p:spPr>
-          <p:style>
-            <a:lnRef idx="1">
-              <a:schemeClr val="accent1"/>
-            </a:lnRef>
-            <a:fillRef idx="0">
-              <a:schemeClr val="accent1"/>
-            </a:fillRef>
-            <a:effectRef idx="0">
-              <a:schemeClr val="accent1"/>
-            </a:effectRef>
-            <a:fontRef idx="minor">
-              <a:schemeClr val="tx1"/>
-            </a:fontRef>
-          </p:style>
-        </p:cxnSp>
-        <p:cxnSp>
-          <p:nvCxnSpPr>
-            <p:cNvPr id="255" name="Straight Connector 254">
-              <a:extLst>
-                <a:ext uri="{FF2B5EF4-FFF2-40B4-BE49-F238E27FC236}">
-                  <a16:creationId xmlns:a16="http://schemas.microsoft.com/office/drawing/2014/main" id="{77B27910-846F-4E4E-B588-F5B2E026FE96}"/>
-                </a:ext>
-                <a:ext uri="{C183D7F6-B498-43B3-948B-1728B52AA6E4}">
-                  <adec:decorative xmlns:adec="http://schemas.microsoft.com/office/drawing/2017/decorative" val="1"/>
-                </a:ext>
-              </a:extLst>
-            </p:cNvPr>
-            <p:cNvCxnSpPr>
-              <a:cxnSpLocks/>
-            </p:cNvCxnSpPr>
-            <p:nvPr>
-              <p:extLst>
-                <p:ext uri="{386F3935-93C4-4BCD-93E2-E3B085C9AB24}">
-                  <p16:designElem xmlns:p16="http://schemas.microsoft.com/office/powerpoint/2015/main" val="1"/>
-                </p:ext>
-              </p:extLst>
-            </p:nvPr>
-          </p:nvCxnSpPr>
-          <p:spPr>
-            <a:xfrm>
-              <a:off x="0" y="171716"/>
-              <a:ext cx="12192000" cy="0"/>
-            </a:xfrm>
-            <a:prstGeom prst="line">
-              <a:avLst/>
-            </a:prstGeom>
-            <a:ln w="12700">
-              <a:solidFill>
-                <a:srgbClr val="BCBCBC">
-                  <a:alpha val="29804"/>
-                </a:srgbClr>
-              </a:solidFill>
-              <a:prstDash val="sysDot"/>
-            </a:ln>
-          </p:spPr>
-          <p:style>
-            <a:lnRef idx="1">
-              <a:schemeClr val="accent1"/>
-            </a:lnRef>
-            <a:fillRef idx="0">
-              <a:schemeClr val="accent1"/>
-            </a:fillRef>
-            <a:effectRef idx="0">
-              <a:schemeClr val="accent1"/>
-            </a:effectRef>
-            <a:fontRef idx="minor">
-              <a:schemeClr val="tx1"/>
-            </a:fontRef>
-          </p:style>
-        </p:cxnSp>
-        <p:cxnSp>
-          <p:nvCxnSpPr>
-            <p:cNvPr id="256" name="Straight Connector 255">
-              <a:extLst>
-                <a:ext uri="{FF2B5EF4-FFF2-40B4-BE49-F238E27FC236}">
-                  <a16:creationId xmlns:a16="http://schemas.microsoft.com/office/drawing/2014/main" id="{E6E0501E-134E-46D7-984F-3A382B0BB29B}"/>
-                </a:ext>
-                <a:ext uri="{C183D7F6-B498-43B3-948B-1728B52AA6E4}">
-                  <adec:decorative xmlns:adec="http://schemas.microsoft.com/office/drawing/2017/decorative" val="1"/>
-                </a:ext>
-              </a:extLst>
-            </p:cNvPr>
-            <p:cNvCxnSpPr>
-              <a:cxnSpLocks/>
-            </p:cNvCxnSpPr>
-            <p:nvPr>
-              <p:extLst>
-                <p:ext uri="{386F3935-93C4-4BCD-93E2-E3B085C9AB24}">
-                  <p16:designElem xmlns:p16="http://schemas.microsoft.com/office/powerpoint/2015/main" val="1"/>
-                </p:ext>
-              </p:extLst>
-            </p:nvPr>
-          </p:nvCxnSpPr>
-          <p:spPr>
-            <a:xfrm>
-              <a:off x="0" y="714597"/>
-              <a:ext cx="12192000" cy="0"/>
-            </a:xfrm>
-            <a:prstGeom prst="line">
-              <a:avLst/>
-            </a:prstGeom>
-            <a:ln w="12700">
-              <a:solidFill>
-                <a:srgbClr val="BCBCBC">
-                  <a:alpha val="29804"/>
-                </a:srgbClr>
-              </a:solidFill>
-              <a:prstDash val="sysDot"/>
-            </a:ln>
-          </p:spPr>
-          <p:style>
-            <a:lnRef idx="1">
-              <a:schemeClr val="accent1"/>
-            </a:lnRef>
-            <a:fillRef idx="0">
-              <a:schemeClr val="accent1"/>
-            </a:fillRef>
-            <a:effectRef idx="0">
-              <a:schemeClr val="accent1"/>
-            </a:effectRef>
-            <a:fontRef idx="minor">
-              <a:schemeClr val="tx1"/>
-            </a:fontRef>
-          </p:style>
-        </p:cxnSp>
-        <p:cxnSp>
-          <p:nvCxnSpPr>
-            <p:cNvPr id="257" name="Straight Connector 256">
-              <a:extLst>
-                <a:ext uri="{FF2B5EF4-FFF2-40B4-BE49-F238E27FC236}">
-                  <a16:creationId xmlns:a16="http://schemas.microsoft.com/office/drawing/2014/main" id="{90A83974-CBD7-4A69-9D84-2D3BBDE027A5}"/>
-                </a:ext>
-                <a:ext uri="{C183D7F6-B498-43B3-948B-1728B52AA6E4}">
-                  <adec:decorative xmlns:adec="http://schemas.microsoft.com/office/drawing/2017/decorative" val="1"/>
-                </a:ext>
-              </a:extLst>
-            </p:cNvPr>
-            <p:cNvCxnSpPr>
-              <a:cxnSpLocks/>
-            </p:cNvCxnSpPr>
-            <p:nvPr>
-              <p:extLst>
-                <p:ext uri="{386F3935-93C4-4BCD-93E2-E3B085C9AB24}">
-                  <p16:designElem xmlns:p16="http://schemas.microsoft.com/office/powerpoint/2015/main" val="1"/>
-                </p:ext>
-              </p:extLst>
-            </p:nvPr>
-          </p:nvCxnSpPr>
-          <p:spPr>
-            <a:xfrm>
-              <a:off x="0" y="1257478"/>
-              <a:ext cx="12192000" cy="0"/>
-            </a:xfrm>
-            <a:prstGeom prst="line">
-              <a:avLst/>
-            </a:prstGeom>
-            <a:ln w="12700">
-              <a:solidFill>
-                <a:srgbClr val="BCBCBC">
-                  <a:alpha val="29804"/>
-                </a:srgbClr>
-              </a:solidFill>
-              <a:prstDash val="sysDot"/>
-            </a:ln>
-          </p:spPr>
-          <p:style>
-            <a:lnRef idx="1">
-              <a:schemeClr val="accent1"/>
-            </a:lnRef>
-            <a:fillRef idx="0">
-              <a:schemeClr val="accent1"/>
-            </a:fillRef>
-            <a:effectRef idx="0">
-              <a:schemeClr val="accent1"/>
-            </a:effectRef>
-            <a:fontRef idx="minor">
-              <a:schemeClr val="tx1"/>
-            </a:fontRef>
-          </p:style>
-        </p:cxnSp>
-        <p:cxnSp>
-          <p:nvCxnSpPr>
-            <p:cNvPr id="258" name="Straight Connector 257">
-              <a:extLst>
-                <a:ext uri="{FF2B5EF4-FFF2-40B4-BE49-F238E27FC236}">
-                  <a16:creationId xmlns:a16="http://schemas.microsoft.com/office/drawing/2014/main" id="{A503E931-00D4-4B0C-BC69-49FE5C766518}"/>
-                </a:ext>
-                <a:ext uri="{C183D7F6-B498-43B3-948B-1728B52AA6E4}">
-                  <adec:decorative xmlns:adec="http://schemas.microsoft.com/office/drawing/2017/decorative" val="1"/>
-                </a:ext>
-              </a:extLst>
-            </p:cNvPr>
-            <p:cNvCxnSpPr>
-              <a:cxnSpLocks/>
-            </p:cNvCxnSpPr>
-            <p:nvPr>
-              <p:extLst>
-                <p:ext uri="{386F3935-93C4-4BCD-93E2-E3B085C9AB24}">
-                  <p16:designElem xmlns:p16="http://schemas.microsoft.com/office/powerpoint/2015/main" val="1"/>
-                </p:ext>
-              </p:extLst>
-            </p:nvPr>
-          </p:nvCxnSpPr>
-          <p:spPr>
-            <a:xfrm>
-              <a:off x="0" y="1800359"/>
-              <a:ext cx="12192000" cy="0"/>
-            </a:xfrm>
-            <a:prstGeom prst="line">
-              <a:avLst/>
-            </a:prstGeom>
-            <a:ln w="12700">
-              <a:solidFill>
-                <a:srgbClr val="BCBCBC">
-                  <a:alpha val="29804"/>
-                </a:srgbClr>
-              </a:solidFill>
-              <a:prstDash val="sysDot"/>
-            </a:ln>
-          </p:spPr>
-          <p:style>
-            <a:lnRef idx="1">
-              <a:schemeClr val="accent1"/>
-            </a:lnRef>
-            <a:fillRef idx="0">
-              <a:schemeClr val="accent1"/>
-            </a:fillRef>
-            <a:effectRef idx="0">
-              <a:schemeClr val="accent1"/>
-            </a:effectRef>
-            <a:fontRef idx="minor">
-              <a:schemeClr val="tx1"/>
-            </a:fontRef>
-          </p:style>
-        </p:cxnSp>
-        <p:cxnSp>
-          <p:nvCxnSpPr>
-            <p:cNvPr id="259" name="Straight Connector 258">
-              <a:extLst>
-                <a:ext uri="{FF2B5EF4-FFF2-40B4-BE49-F238E27FC236}">
-                  <a16:creationId xmlns:a16="http://schemas.microsoft.com/office/drawing/2014/main" id="{97732A30-BE2F-4D71-BC37-60F7B44591B9}"/>
-                </a:ext>
-                <a:ext uri="{C183D7F6-B498-43B3-948B-1728B52AA6E4}">
-                  <adec:decorative xmlns:adec="http://schemas.microsoft.com/office/drawing/2017/decorative" val="1"/>
-                </a:ext>
-              </a:extLst>
-            </p:cNvPr>
-            <p:cNvCxnSpPr>
-              <a:cxnSpLocks/>
-            </p:cNvCxnSpPr>
-            <p:nvPr>
-              <p:extLst>
-                <p:ext uri="{386F3935-93C4-4BCD-93E2-E3B085C9AB24}">
-                  <p16:designElem xmlns:p16="http://schemas.microsoft.com/office/powerpoint/2015/main" val="1"/>
-                </p:ext>
-              </p:extLst>
-            </p:nvPr>
-          </p:nvCxnSpPr>
-          <p:spPr>
-            <a:xfrm>
-              <a:off x="0" y="2343240"/>
-              <a:ext cx="12192000" cy="0"/>
-            </a:xfrm>
-            <a:prstGeom prst="line">
-              <a:avLst/>
-            </a:prstGeom>
-            <a:ln w="12700">
-              <a:solidFill>
-                <a:srgbClr val="BCBCBC">
-                  <a:alpha val="29804"/>
-                </a:srgbClr>
-              </a:solidFill>
-              <a:prstDash val="sysDot"/>
-            </a:ln>
-          </p:spPr>
-          <p:style>
-            <a:lnRef idx="1">
-              <a:schemeClr val="accent1"/>
-            </a:lnRef>
-            <a:fillRef idx="0">
-              <a:schemeClr val="accent1"/>
-            </a:fillRef>
-            <a:effectRef idx="0">
-              <a:schemeClr val="accent1"/>
-            </a:effectRef>
-            <a:fontRef idx="minor">
-              <a:schemeClr val="tx1"/>
-            </a:fontRef>
-          </p:style>
-        </p:cxnSp>
-        <p:cxnSp>
-          <p:nvCxnSpPr>
-            <p:cNvPr id="260" name="Straight Connector 259">
-              <a:extLst>
-                <a:ext uri="{FF2B5EF4-FFF2-40B4-BE49-F238E27FC236}">
-                  <a16:creationId xmlns:a16="http://schemas.microsoft.com/office/drawing/2014/main" id="{0C8EB840-DE7D-4E67-989C-F4D8F50E15BD}"/>
-                </a:ext>
-                <a:ext uri="{C183D7F6-B498-43B3-948B-1728B52AA6E4}">
-                  <adec:decorative xmlns:adec="http://schemas.microsoft.com/office/drawing/2017/decorative" val="1"/>
-                </a:ext>
-              </a:extLst>
-            </p:cNvPr>
-            <p:cNvCxnSpPr>
-              <a:cxnSpLocks/>
-            </p:cNvCxnSpPr>
-            <p:nvPr>
-              <p:extLst>
-                <p:ext uri="{386F3935-93C4-4BCD-93E2-E3B085C9AB24}">
-                  <p16:designElem xmlns:p16="http://schemas.microsoft.com/office/powerpoint/2015/main" val="1"/>
-                </p:ext>
-              </p:extLst>
-            </p:nvPr>
-          </p:nvCxnSpPr>
-          <p:spPr>
-            <a:xfrm>
-              <a:off x="0" y="2886121"/>
-              <a:ext cx="12192000" cy="0"/>
-            </a:xfrm>
-            <a:prstGeom prst="line">
-              <a:avLst/>
-            </a:prstGeom>
-            <a:ln w="12700">
-              <a:solidFill>
-                <a:srgbClr val="BCBCBC">
-                  <a:alpha val="29804"/>
-                </a:srgbClr>
-              </a:solidFill>
-              <a:prstDash val="sysDot"/>
-            </a:ln>
-          </p:spPr>
-          <p:style>
-            <a:lnRef idx="1">
-              <a:schemeClr val="accent1"/>
-            </a:lnRef>
-            <a:fillRef idx="0">
-              <a:schemeClr val="accent1"/>
-            </a:fillRef>
-            <a:effectRef idx="0">
-              <a:schemeClr val="accent1"/>
-            </a:effectRef>
-            <a:fontRef idx="minor">
-              <a:schemeClr val="tx1"/>
-            </a:fontRef>
-          </p:style>
-        </p:cxnSp>
-        <p:cxnSp>
-          <p:nvCxnSpPr>
-            <p:cNvPr id="261" name="Straight Connector 260">
-              <a:extLst>
-                <a:ext uri="{FF2B5EF4-FFF2-40B4-BE49-F238E27FC236}">
-                  <a16:creationId xmlns:a16="http://schemas.microsoft.com/office/drawing/2014/main" id="{F05D2CC2-53CC-487E-A72E-42B1E9B18460}"/>
-                </a:ext>
-                <a:ext uri="{C183D7F6-B498-43B3-948B-1728B52AA6E4}">
-                  <adec:decorative xmlns:adec="http://schemas.microsoft.com/office/drawing/2017/decorative" val="1"/>
-                </a:ext>
-              </a:extLst>
-            </p:cNvPr>
-            <p:cNvCxnSpPr>
-              <a:cxnSpLocks/>
-            </p:cNvCxnSpPr>
-            <p:nvPr>
-              <p:extLst>
-                <p:ext uri="{386F3935-93C4-4BCD-93E2-E3B085C9AB24}">
-                  <p16:designElem xmlns:p16="http://schemas.microsoft.com/office/powerpoint/2015/main" val="1"/>
-                </p:ext>
-              </p:extLst>
-            </p:nvPr>
-          </p:nvCxnSpPr>
-          <p:spPr>
-            <a:xfrm>
-              <a:off x="0" y="3429002"/>
-              <a:ext cx="12192000" cy="0"/>
-            </a:xfrm>
-            <a:prstGeom prst="line">
-              <a:avLst/>
-            </a:prstGeom>
-            <a:ln w="12700">
-              <a:solidFill>
-                <a:srgbClr val="BCBCBC">
-                  <a:alpha val="29804"/>
-                </a:srgbClr>
-              </a:solidFill>
-              <a:prstDash val="sysDot"/>
-            </a:ln>
-          </p:spPr>
-          <p:style>
-            <a:lnRef idx="1">
-              <a:schemeClr val="accent1"/>
-            </a:lnRef>
-            <a:fillRef idx="0">
-              <a:schemeClr val="accent1"/>
-            </a:fillRef>
-            <a:effectRef idx="0">
-              <a:schemeClr val="accent1"/>
-            </a:effectRef>
-            <a:fontRef idx="minor">
-              <a:schemeClr val="tx1"/>
-            </a:fontRef>
-          </p:style>
-        </p:cxnSp>
-        <p:cxnSp>
-          <p:nvCxnSpPr>
-            <p:cNvPr id="262" name="Straight Connector 261">
-              <a:extLst>
-                <a:ext uri="{FF2B5EF4-FFF2-40B4-BE49-F238E27FC236}">
-                  <a16:creationId xmlns:a16="http://schemas.microsoft.com/office/drawing/2014/main" id="{03A12D6B-1D60-4F26-8FB9-74AD5B070BDF}"/>
-                </a:ext>
-                <a:ext uri="{C183D7F6-B498-43B3-948B-1728B52AA6E4}">
-                  <adec:decorative xmlns:adec="http://schemas.microsoft.com/office/drawing/2017/decorative" val="1"/>
-                </a:ext>
-              </a:extLst>
-            </p:cNvPr>
-            <p:cNvCxnSpPr>
-              <a:cxnSpLocks/>
-            </p:cNvCxnSpPr>
-            <p:nvPr>
-              <p:extLst>
-                <p:ext uri="{386F3935-93C4-4BCD-93E2-E3B085C9AB24}">
-                  <p16:designElem xmlns:p16="http://schemas.microsoft.com/office/powerpoint/2015/main" val="1"/>
-                </p:ext>
-              </p:extLst>
-            </p:nvPr>
-          </p:nvCxnSpPr>
-          <p:spPr>
-            <a:xfrm>
-              <a:off x="0" y="3971883"/>
-              <a:ext cx="12192000" cy="0"/>
-            </a:xfrm>
-            <a:prstGeom prst="line">
-              <a:avLst/>
-            </a:prstGeom>
-            <a:ln w="12700">
-              <a:solidFill>
-                <a:srgbClr val="BCBCBC">
-                  <a:alpha val="29804"/>
-                </a:srgbClr>
-              </a:solidFill>
-              <a:prstDash val="sysDot"/>
-            </a:ln>
-          </p:spPr>
-          <p:style>
-            <a:lnRef idx="1">
-              <a:schemeClr val="accent1"/>
-            </a:lnRef>
-            <a:fillRef idx="0">
-              <a:schemeClr val="accent1"/>
-            </a:fillRef>
-            <a:effectRef idx="0">
-              <a:schemeClr val="accent1"/>
-            </a:effectRef>
-            <a:fontRef idx="minor">
-              <a:schemeClr val="tx1"/>
-            </a:fontRef>
-          </p:style>
-        </p:cxnSp>
-        <p:cxnSp>
-          <p:nvCxnSpPr>
-            <p:cNvPr id="263" name="Straight Connector 262">
-              <a:extLst>
-                <a:ext uri="{FF2B5EF4-FFF2-40B4-BE49-F238E27FC236}">
-                  <a16:creationId xmlns:a16="http://schemas.microsoft.com/office/drawing/2014/main" id="{41895D00-2D63-443C-95A8-5EB6E5EECBFF}"/>
-                </a:ext>
-                <a:ext uri="{C183D7F6-B498-43B3-948B-1728B52AA6E4}">
-                  <adec:decorative xmlns:adec="http://schemas.microsoft.com/office/drawing/2017/decorative" val="1"/>
-                </a:ext>
-              </a:extLst>
-            </p:cNvPr>
-            <p:cNvCxnSpPr>
-              <a:cxnSpLocks/>
-            </p:cNvCxnSpPr>
-            <p:nvPr>
-              <p:extLst>
-                <p:ext uri="{386F3935-93C4-4BCD-93E2-E3B085C9AB24}">
-                  <p16:designElem xmlns:p16="http://schemas.microsoft.com/office/powerpoint/2015/main" val="1"/>
-                </p:ext>
-              </p:extLst>
-            </p:nvPr>
-          </p:nvCxnSpPr>
-          <p:spPr>
-            <a:xfrm>
-              <a:off x="0" y="4514764"/>
-              <a:ext cx="12192000" cy="0"/>
-            </a:xfrm>
-            <a:prstGeom prst="line">
-              <a:avLst/>
-            </a:prstGeom>
-            <a:ln w="12700">
-              <a:solidFill>
-                <a:srgbClr val="BCBCBC">
-                  <a:alpha val="29804"/>
-                </a:srgbClr>
-              </a:solidFill>
-              <a:prstDash val="sysDot"/>
-            </a:ln>
-          </p:spPr>
-          <p:style>
-            <a:lnRef idx="1">
-              <a:schemeClr val="accent1"/>
-            </a:lnRef>
-            <a:fillRef idx="0">
-              <a:schemeClr val="accent1"/>
-            </a:fillRef>
-            <a:effectRef idx="0">
-              <a:schemeClr val="accent1"/>
-            </a:effectRef>
-            <a:fontRef idx="minor">
-              <a:schemeClr val="tx1"/>
-            </a:fontRef>
-          </p:style>
-        </p:cxnSp>
-        <p:cxnSp>
-          <p:nvCxnSpPr>
-            <p:cNvPr id="264" name="Straight Connector 263">
-              <a:extLst>
-                <a:ext uri="{FF2B5EF4-FFF2-40B4-BE49-F238E27FC236}">
-                  <a16:creationId xmlns:a16="http://schemas.microsoft.com/office/drawing/2014/main" id="{6AC50652-2A56-4382-95D0-971644EE0FA9}"/>
-                </a:ext>
-                <a:ext uri="{C183D7F6-B498-43B3-948B-1728B52AA6E4}">
-                  <adec:decorative xmlns:adec="http://schemas.microsoft.com/office/drawing/2017/decorative" val="1"/>
-                </a:ext>
-              </a:extLst>
-            </p:cNvPr>
-            <p:cNvCxnSpPr>
-              <a:cxnSpLocks/>
-            </p:cNvCxnSpPr>
-            <p:nvPr>
-              <p:extLst>
-                <p:ext uri="{386F3935-93C4-4BCD-93E2-E3B085C9AB24}">
-                  <p16:designElem xmlns:p16="http://schemas.microsoft.com/office/powerpoint/2015/main" val="1"/>
-                </p:ext>
-              </p:extLst>
-            </p:nvPr>
-          </p:nvCxnSpPr>
-          <p:spPr>
-            <a:xfrm>
-              <a:off x="0" y="5057645"/>
-              <a:ext cx="12192000" cy="0"/>
-            </a:xfrm>
-            <a:prstGeom prst="line">
-              <a:avLst/>
-            </a:prstGeom>
-            <a:ln w="12700">
-              <a:solidFill>
-                <a:srgbClr val="BCBCBC">
-                  <a:alpha val="29804"/>
-                </a:srgbClr>
-              </a:solidFill>
-              <a:prstDash val="sysDot"/>
-            </a:ln>
-          </p:spPr>
-          <p:style>
-            <a:lnRef idx="1">
-              <a:schemeClr val="accent1"/>
-            </a:lnRef>
-            <a:fillRef idx="0">
-              <a:schemeClr val="accent1"/>
-            </a:fillRef>
-            <a:effectRef idx="0">
-              <a:schemeClr val="accent1"/>
-            </a:effectRef>
-            <a:fontRef idx="minor">
-              <a:schemeClr val="tx1"/>
-            </a:fontRef>
-          </p:style>
-        </p:cxnSp>
-        <p:cxnSp>
-          <p:nvCxnSpPr>
-            <p:cNvPr id="265" name="Straight Connector 264">
-              <a:extLst>
-                <a:ext uri="{FF2B5EF4-FFF2-40B4-BE49-F238E27FC236}">
-                  <a16:creationId xmlns:a16="http://schemas.microsoft.com/office/drawing/2014/main" id="{DA50A374-8880-482D-B54F-F74E0D7BE187}"/>
-                </a:ext>
-                <a:ext uri="{C183D7F6-B498-43B3-948B-1728B52AA6E4}">
-                  <adec:decorative xmlns:adec="http://schemas.microsoft.com/office/drawing/2017/decorative" val="1"/>
-                </a:ext>
-              </a:extLst>
-            </p:cNvPr>
-            <p:cNvCxnSpPr>
-              <a:cxnSpLocks/>
-            </p:cNvCxnSpPr>
-            <p:nvPr>
-              <p:extLst>
-                <p:ext uri="{386F3935-93C4-4BCD-93E2-E3B085C9AB24}">
-                  <p16:designElem xmlns:p16="http://schemas.microsoft.com/office/powerpoint/2015/main" val="1"/>
-                </p:ext>
-              </p:extLst>
-            </p:nvPr>
-          </p:nvCxnSpPr>
-          <p:spPr>
-            <a:xfrm>
-              <a:off x="0" y="5600526"/>
-              <a:ext cx="12192000" cy="0"/>
-            </a:xfrm>
-            <a:prstGeom prst="line">
-              <a:avLst/>
-            </a:prstGeom>
-            <a:ln w="12700">
-              <a:solidFill>
-                <a:srgbClr val="BCBCBC">
-                  <a:alpha val="29804"/>
-                </a:srgbClr>
-              </a:solidFill>
-              <a:prstDash val="sysDot"/>
-            </a:ln>
-          </p:spPr>
-          <p:style>
-            <a:lnRef idx="1">
-              <a:schemeClr val="accent1"/>
-            </a:lnRef>
-            <a:fillRef idx="0">
-              <a:schemeClr val="accent1"/>
-            </a:fillRef>
-            <a:effectRef idx="0">
-              <a:schemeClr val="accent1"/>
-            </a:effectRef>
-            <a:fontRef idx="minor">
-              <a:schemeClr val="tx1"/>
-            </a:fontRef>
-          </p:style>
-        </p:cxnSp>
-        <p:cxnSp>
-          <p:nvCxnSpPr>
-            <p:cNvPr id="266" name="Straight Connector 265">
-              <a:extLst>
-                <a:ext uri="{FF2B5EF4-FFF2-40B4-BE49-F238E27FC236}">
-                  <a16:creationId xmlns:a16="http://schemas.microsoft.com/office/drawing/2014/main" id="{C66364D8-CCC7-4AAF-94BC-766EC160D99E}"/>
-                </a:ext>
-                <a:ext uri="{C183D7F6-B498-43B3-948B-1728B52AA6E4}">
-                  <adec:decorative xmlns:adec="http://schemas.microsoft.com/office/drawing/2017/decorative" val="1"/>
-                </a:ext>
-              </a:extLst>
-            </p:cNvPr>
-            <p:cNvCxnSpPr>
-              <a:cxnSpLocks/>
-            </p:cNvCxnSpPr>
-            <p:nvPr>
-              <p:extLst>
-                <p:ext uri="{386F3935-93C4-4BCD-93E2-E3B085C9AB24}">
-                  <p16:designElem xmlns:p16="http://schemas.microsoft.com/office/powerpoint/2015/main" val="1"/>
-                </p:ext>
-              </p:extLst>
-            </p:nvPr>
-          </p:nvCxnSpPr>
-          <p:spPr>
-            <a:xfrm>
-              <a:off x="0" y="6857999"/>
-              <a:ext cx="12192000" cy="0"/>
-            </a:xfrm>
-            <a:prstGeom prst="line">
-              <a:avLst/>
-            </a:prstGeom>
-            <a:ln w="12700">
-              <a:solidFill>
-                <a:srgbClr val="BCBCBC">
-                  <a:alpha val="29804"/>
-                </a:srgbClr>
-              </a:solidFill>
-              <a:prstDash val="sysDot"/>
-            </a:ln>
-          </p:spPr>
-          <p:style>
-            <a:lnRef idx="1">
-              <a:schemeClr val="accent1"/>
-            </a:lnRef>
-            <a:fillRef idx="0">
-              <a:schemeClr val="accent1"/>
-            </a:fillRef>
-            <a:effectRef idx="0">
-              <a:schemeClr val="accent1"/>
-            </a:effectRef>
-            <a:fontRef idx="minor">
-              <a:schemeClr val="tx1"/>
-            </a:fontRef>
-          </p:style>
-        </p:cxnSp>
-        <p:cxnSp>
-          <p:nvCxnSpPr>
-            <p:cNvPr id="267" name="Straight Connector 266">
-              <a:extLst>
-                <a:ext uri="{FF2B5EF4-FFF2-40B4-BE49-F238E27FC236}">
-                  <a16:creationId xmlns:a16="http://schemas.microsoft.com/office/drawing/2014/main" id="{4A0DC409-26E2-4453-89FD-745EA849BE7F}"/>
-                </a:ext>
-                <a:ext uri="{C183D7F6-B498-43B3-948B-1728B52AA6E4}">
-                  <adec:decorative xmlns:adec="http://schemas.microsoft.com/office/drawing/2017/decorative" val="1"/>
-                </a:ext>
-              </a:extLst>
-            </p:cNvPr>
-            <p:cNvCxnSpPr>
-              <a:cxnSpLocks/>
-            </p:cNvCxnSpPr>
-            <p:nvPr>
-              <p:extLst>
-                <p:ext uri="{386F3935-93C4-4BCD-93E2-E3B085C9AB24}">
-                  <p16:designElem xmlns:p16="http://schemas.microsoft.com/office/powerpoint/2015/main" val="1"/>
-                </p:ext>
-              </p:extLst>
-            </p:nvPr>
-          </p:nvCxnSpPr>
-          <p:spPr>
-            <a:xfrm>
-              <a:off x="16613" y="6143407"/>
-              <a:ext cx="12192000" cy="0"/>
-            </a:xfrm>
-            <a:prstGeom prst="line">
-              <a:avLst/>
-            </a:prstGeom>
-            <a:ln w="12700">
-              <a:solidFill>
-                <a:srgbClr val="BCBCBC">
-                  <a:alpha val="29804"/>
-                </a:srgbClr>
-              </a:solidFill>
-              <a:prstDash val="sysDot"/>
-            </a:ln>
-          </p:spPr>
-          <p:style>
-            <a:lnRef idx="1">
-              <a:schemeClr val="accent1"/>
-            </a:lnRef>
-            <a:fillRef idx="0">
-              <a:schemeClr val="accent1"/>
-            </a:fillRef>
-            <a:effectRef idx="0">
-              <a:schemeClr val="accent1"/>
-            </a:effectRef>
-            <a:fontRef idx="minor">
-              <a:schemeClr val="tx1"/>
-            </a:fontRef>
-          </p:style>
-        </p:cxnSp>
-        <p:cxnSp>
-          <p:nvCxnSpPr>
-            <p:cNvPr id="268" name="Straight Connector 267">
-              <a:extLst>
-                <a:ext uri="{FF2B5EF4-FFF2-40B4-BE49-F238E27FC236}">
-                  <a16:creationId xmlns:a16="http://schemas.microsoft.com/office/drawing/2014/main" id="{239ED039-D66C-4A5E-AA35-E7A5FA2E64C2}"/>
-                </a:ext>
-                <a:ext uri="{C183D7F6-B498-43B3-948B-1728B52AA6E4}">
-                  <adec:decorative xmlns:adec="http://schemas.microsoft.com/office/drawing/2017/decorative" val="1"/>
-                </a:ext>
-              </a:extLst>
-            </p:cNvPr>
-            <p:cNvCxnSpPr>
-              <a:cxnSpLocks/>
-            </p:cNvCxnSpPr>
-            <p:nvPr>
-              <p:extLst>
-                <p:ext uri="{386F3935-93C4-4BCD-93E2-E3B085C9AB24}">
-                  <p16:designElem xmlns:p16="http://schemas.microsoft.com/office/powerpoint/2015/main" val="1"/>
-                </p:ext>
-              </p:extLst>
-            </p:nvPr>
-          </p:nvCxnSpPr>
-          <p:spPr>
-            <a:xfrm>
-              <a:off x="684225" y="171716"/>
-              <a:ext cx="0" cy="6511464"/>
-            </a:xfrm>
-            <a:prstGeom prst="line">
-              <a:avLst/>
-            </a:prstGeom>
-            <a:ln w="12700">
-              <a:solidFill>
-                <a:srgbClr val="BCBCBC">
-                  <a:alpha val="29804"/>
-                </a:srgbClr>
-              </a:solidFill>
-              <a:prstDash val="sysDot"/>
-            </a:ln>
-          </p:spPr>
-          <p:style>
-            <a:lnRef idx="1">
-              <a:schemeClr val="accent1"/>
-            </a:lnRef>
-            <a:fillRef idx="0">
-              <a:schemeClr val="accent1"/>
-            </a:fillRef>
-            <a:effectRef idx="0">
-              <a:schemeClr val="accent1"/>
-            </a:effectRef>
-            <a:fontRef idx="minor">
-              <a:schemeClr val="tx1"/>
-            </a:fontRef>
-          </p:style>
-        </p:cxnSp>
-        <p:cxnSp>
-          <p:nvCxnSpPr>
-            <p:cNvPr id="269" name="Straight Connector 268">
-              <a:extLst>
-                <a:ext uri="{FF2B5EF4-FFF2-40B4-BE49-F238E27FC236}">
-                  <a16:creationId xmlns:a16="http://schemas.microsoft.com/office/drawing/2014/main" id="{C72C13DC-161E-49CF-96B5-5383AA052AB7}"/>
-                </a:ext>
-                <a:ext uri="{C183D7F6-B498-43B3-948B-1728B52AA6E4}">
-                  <adec:decorative xmlns:adec="http://schemas.microsoft.com/office/drawing/2017/decorative" val="1"/>
-                </a:ext>
-              </a:extLst>
-            </p:cNvPr>
-            <p:cNvCxnSpPr>
-              <a:cxnSpLocks/>
-            </p:cNvCxnSpPr>
-            <p:nvPr>
-              <p:extLst>
-                <p:ext uri="{386F3935-93C4-4BCD-93E2-E3B085C9AB24}">
-                  <p16:designElem xmlns:p16="http://schemas.microsoft.com/office/powerpoint/2015/main" val="1"/>
-                </p:ext>
-              </p:extLst>
-            </p:nvPr>
-          </p:nvCxnSpPr>
-          <p:spPr>
-            <a:xfrm>
-              <a:off x="11508412" y="173267"/>
-              <a:ext cx="0" cy="6511464"/>
-            </a:xfrm>
-            <a:prstGeom prst="line">
-              <a:avLst/>
-            </a:prstGeom>
-            <a:ln w="12700">
-              <a:solidFill>
-                <a:srgbClr val="BCBCBC">
-                  <a:alpha val="29804"/>
-                </a:srgbClr>
-              </a:solidFill>
-              <a:prstDash val="sysDot"/>
-            </a:ln>
-          </p:spPr>
-          <p:style>
-            <a:lnRef idx="1">
-              <a:schemeClr val="accent1"/>
-            </a:lnRef>
-            <a:fillRef idx="0">
-              <a:schemeClr val="accent1"/>
-            </a:fillRef>
-            <a:effectRef idx="0">
-              <a:schemeClr val="accent1"/>
-            </a:effectRef>
-            <a:fontRef idx="minor">
-              <a:schemeClr val="tx1"/>
-            </a:fontRef>
-          </p:style>
-        </p:cxnSp>
-      </p:grpSp>
-      <p:sp>
-        <p:nvSpPr>
-          <p:cNvPr id="271" name="Right Triangle 270">
-            <a:extLst>
-              <a:ext uri="{FF2B5EF4-FFF2-40B4-BE49-F238E27FC236}">
-                <a16:creationId xmlns:a16="http://schemas.microsoft.com/office/drawing/2014/main" id="{63BAC6E0-ADAC-40FB-AF53-88FA5F83738C}"/>
-              </a:ext>
-              <a:ext uri="{C183D7F6-B498-43B3-948B-1728B52AA6E4}">
-                <adec:decorative xmlns:adec="http://schemas.microsoft.com/office/drawing/2017/decorative" val="1"/>
-              </a:ext>
-            </a:extLst>
-          </p:cNvPr>
-          <p:cNvSpPr>
-            <a:spLocks noGrp="1" noRot="1" noChangeAspect="1" noMove="1" noResize="1" noEditPoints="1" noAdjustHandles="1" noChangeArrowheads="1" noChangeShapeType="1" noTextEdit="1"/>
-          </p:cNvSpPr>
-          <p:nvPr>
-            <p:extLst>
-              <p:ext uri="{386F3935-93C4-4BCD-93E2-E3B085C9AB24}">
-                <p16:designElem xmlns:p16="http://schemas.microsoft.com/office/powerpoint/2015/main" val="1"/>
-              </p:ext>
-            </p:extLst>
-          </p:nvPr>
-        </p:nvSpPr>
-        <p:spPr>
-          <a:xfrm rot="13500000">
-            <a:off x="-281094" y="1516214"/>
-            <a:ext cx="568289" cy="568289"/>
-          </a:xfrm>
-          <a:prstGeom prst="rtTriangle">
-            <a:avLst/>
-          </a:prstGeom>
-          <a:solidFill>
-            <a:schemeClr val="accent1">
-              <a:alpha val="50000"/>
-            </a:schemeClr>
-          </a:solidFill>
-          <a:ln>
-            <a:noFill/>
-          </a:ln>
-        </p:spPr>
-        <p:style>
-          <a:lnRef idx="2">
-            <a:schemeClr val="accent1">
-              <a:shade val="50000"/>
-            </a:schemeClr>
-          </a:lnRef>
-          <a:fillRef idx="1">
-            <a:schemeClr val="accent1"/>
-          </a:fillRef>
-          <a:effectRef idx="0">
-            <a:schemeClr val="accent1"/>
-          </a:effectRef>
-          <a:fontRef idx="minor">
-            <a:schemeClr val="lt1"/>
-          </a:fontRef>
-        </p:style>
-        <p:txBody>
-          <a:bodyPr rtlCol="0" anchor="ctr"/>
-          <a:lstStyle/>
-          <a:p>
-            <a:pPr algn="ctr"/>
-            <a:endParaRPr lang="en-US">
-              <a:solidFill>
-                <a:schemeClr val="tx1"/>
-              </a:solidFill>
-            </a:endParaRPr>
-          </a:p>
-        </p:txBody>
-      </p:sp>
-      <p:sp useBgFill="1">
-        <p:nvSpPr>
-          <p:cNvPr id="273" name="Rectangle 272">
-            <a:extLst>
-              <a:ext uri="{FF2B5EF4-FFF2-40B4-BE49-F238E27FC236}">
-                <a16:creationId xmlns:a16="http://schemas.microsoft.com/office/drawing/2014/main" id="{1C582B07-D0F0-4B6B-A5D9-D2F192CB3A4E}"/>
-              </a:ext>
-              <a:ext uri="{C183D7F6-B498-43B3-948B-1728B52AA6E4}">
-                <adec:decorative xmlns:adec="http://schemas.microsoft.com/office/drawing/2017/decorative" val="1"/>
-              </a:ext>
-            </a:extLst>
-          </p:cNvPr>
-          <p:cNvSpPr>
-            <a:spLocks noGrp="1" noRot="1" noChangeAspect="1" noMove="1" noResize="1" noEditPoints="1" noAdjustHandles="1" noChangeArrowheads="1" noChangeShapeType="1" noTextEdit="1"/>
-          </p:cNvSpPr>
-          <p:nvPr>
-            <p:extLst>
-              <p:ext uri="{386F3935-93C4-4BCD-93E2-E3B085C9AB24}">
-                <p16:designElem xmlns:p16="http://schemas.microsoft.com/office/powerpoint/2015/main" val="1"/>
-              </p:ext>
-            </p:extLst>
-          </p:nvPr>
-        </p:nvSpPr>
-        <p:spPr>
-          <a:xfrm>
-            <a:off x="0" y="0"/>
-            <a:ext cx="12188952" cy="6858000"/>
-          </a:xfrm>
-          <a:prstGeom prst="rect">
-            <a:avLst/>
-          </a:prstGeom>
-          <a:ln>
-            <a:noFill/>
-          </a:ln>
-        </p:spPr>
-        <p:style>
-          <a:lnRef idx="2">
-            <a:schemeClr val="accent1">
-              <a:shade val="50000"/>
-            </a:schemeClr>
-          </a:lnRef>
-          <a:fillRef idx="1">
-            <a:schemeClr val="accent1"/>
-          </a:fillRef>
-          <a:effectRef idx="0">
-            <a:schemeClr val="accent1"/>
-          </a:effectRef>
-          <a:fontRef idx="minor">
-            <a:schemeClr val="lt1"/>
-          </a:fontRef>
-        </p:style>
-        <p:txBody>
-          <a:bodyPr rtlCol="0" anchor="ctr"/>
-          <a:lstStyle/>
-          <a:p>
-            <a:pPr algn="ctr"/>
-            <a:endParaRPr lang="en-US">
-              <a:solidFill>
-                <a:schemeClr val="bg1"/>
-              </a:solidFill>
-            </a:endParaRPr>
-          </a:p>
-        </p:txBody>
-      </p:sp>
-      <p:grpSp>
-        <p:nvGrpSpPr>
-          <p:cNvPr id="275" name="Group 274">
-            <a:extLst>
-              <a:ext uri="{FF2B5EF4-FFF2-40B4-BE49-F238E27FC236}">
-                <a16:creationId xmlns:a16="http://schemas.microsoft.com/office/drawing/2014/main" id="{5591A4A5-C00F-4B45-9735-FD2841BF348B}"/>
-              </a:ext>
-              <a:ext uri="{C183D7F6-B498-43B3-948B-1728B52AA6E4}">
-                <adec:decorative xmlns:adec="http://schemas.microsoft.com/office/drawing/2017/decorative" val="1"/>
-              </a:ext>
-            </a:extLst>
-          </p:cNvPr>
-          <p:cNvGrpSpPr>
-            <a:grpSpLocks noGrp="1" noUngrp="1" noRot="1" noChangeAspect="1" noMove="1" noResize="1"/>
-          </p:cNvGrpSpPr>
-          <p:nvPr>
-            <p:extLst>
-              <p:ext uri="{386F3935-93C4-4BCD-93E2-E3B085C9AB24}">
-                <p16:designElem xmlns:p16="http://schemas.microsoft.com/office/powerpoint/2015/main" val="1"/>
-              </p:ext>
-            </p:extLst>
-          </p:nvPr>
-        </p:nvGrpSpPr>
-        <p:grpSpPr>
-          <a:xfrm>
-            <a:off x="-6214" y="-1"/>
-            <a:ext cx="12214827" cy="6858000"/>
-            <a:chOff x="-6214" y="-1"/>
-            <a:chExt cx="12214827" cy="6858000"/>
-          </a:xfrm>
-        </p:grpSpPr>
-        <p:cxnSp>
-          <p:nvCxnSpPr>
-            <p:cNvPr id="276" name="Straight Connector 275">
-              <a:extLst>
-                <a:ext uri="{FF2B5EF4-FFF2-40B4-BE49-F238E27FC236}">
-                  <a16:creationId xmlns:a16="http://schemas.microsoft.com/office/drawing/2014/main" id="{7A16FDB6-C8B8-4BB9-B5F6-C9E7D1549AD5}"/>
-                </a:ext>
-                <a:ext uri="{C183D7F6-B498-43B3-948B-1728B52AA6E4}">
-                  <adec:decorative xmlns:adec="http://schemas.microsoft.com/office/drawing/2017/decorative" val="1"/>
-                </a:ext>
-              </a:extLst>
-            </p:cNvPr>
-            <p:cNvCxnSpPr>
-              <a:cxnSpLocks/>
-            </p:cNvCxnSpPr>
-            <p:nvPr>
-              <p:extLst>
-                <p:ext uri="{386F3935-93C4-4BCD-93E2-E3B085C9AB24}">
-                  <p16:designElem xmlns:p16="http://schemas.microsoft.com/office/powerpoint/2015/main" val="1"/>
-                </p:ext>
-              </p:extLst>
-            </p:nvPr>
-          </p:nvCxnSpPr>
-          <p:spPr>
-            <a:xfrm>
-              <a:off x="-6214" y="6686283"/>
-              <a:ext cx="12192000" cy="0"/>
-            </a:xfrm>
-            <a:prstGeom prst="line">
-              <a:avLst/>
-            </a:prstGeom>
-            <a:ln w="12700">
-              <a:solidFill>
-                <a:srgbClr val="BCBCBC">
-                  <a:alpha val="29804"/>
-                </a:srgbClr>
-              </a:solidFill>
-              <a:prstDash val="sysDot"/>
-            </a:ln>
-          </p:spPr>
-          <p:style>
-            <a:lnRef idx="1">
-              <a:schemeClr val="accent1"/>
-            </a:lnRef>
-            <a:fillRef idx="0">
-              <a:schemeClr val="accent1"/>
-            </a:fillRef>
-            <a:effectRef idx="0">
-              <a:schemeClr val="accent1"/>
-            </a:effectRef>
-            <a:fontRef idx="minor">
-              <a:schemeClr val="tx1"/>
-            </a:fontRef>
-          </p:style>
-        </p:cxnSp>
-        <p:cxnSp>
-          <p:nvCxnSpPr>
-            <p:cNvPr id="277" name="Straight Connector 276">
-              <a:extLst>
-                <a:ext uri="{FF2B5EF4-FFF2-40B4-BE49-F238E27FC236}">
-                  <a16:creationId xmlns:a16="http://schemas.microsoft.com/office/drawing/2014/main" id="{D65D67BC-2831-45D1-804D-2B848B7FF616}"/>
-                </a:ext>
-                <a:ext uri="{C183D7F6-B498-43B3-948B-1728B52AA6E4}">
-                  <adec:decorative xmlns:adec="http://schemas.microsoft.com/office/drawing/2017/decorative" val="1"/>
-                </a:ext>
-              </a:extLst>
-            </p:cNvPr>
-            <p:cNvCxnSpPr>
-              <a:cxnSpLocks/>
-            </p:cNvCxnSpPr>
-            <p:nvPr>
-              <p:extLst>
-                <p:ext uri="{386F3935-93C4-4BCD-93E2-E3B085C9AB24}">
-                  <p16:designElem xmlns:p16="http://schemas.microsoft.com/office/powerpoint/2015/main" val="1"/>
-                </p:ext>
-              </p:extLst>
-            </p:nvPr>
-          </p:nvCxnSpPr>
-          <p:spPr>
-            <a:xfrm>
-              <a:off x="0" y="-1"/>
-              <a:ext cx="0" cy="6858000"/>
-            </a:xfrm>
-            <a:prstGeom prst="line">
-              <a:avLst/>
-            </a:prstGeom>
-            <a:ln w="12700">
-              <a:solidFill>
-                <a:srgbClr val="BCBCBC">
-                  <a:alpha val="29804"/>
-                </a:srgbClr>
-              </a:solidFill>
-              <a:prstDash val="sysDot"/>
-            </a:ln>
-          </p:spPr>
-          <p:style>
-            <a:lnRef idx="1">
-              <a:schemeClr val="accent1"/>
-            </a:lnRef>
-            <a:fillRef idx="0">
-              <a:schemeClr val="accent1"/>
-            </a:fillRef>
-            <a:effectRef idx="0">
-              <a:schemeClr val="accent1"/>
-            </a:effectRef>
-            <a:fontRef idx="minor">
-              <a:schemeClr val="tx1"/>
-            </a:fontRef>
-          </p:style>
-        </p:cxnSp>
-        <p:cxnSp>
-          <p:nvCxnSpPr>
-            <p:cNvPr id="278" name="Straight Connector 277">
-              <a:extLst>
-                <a:ext uri="{FF2B5EF4-FFF2-40B4-BE49-F238E27FC236}">
-                  <a16:creationId xmlns:a16="http://schemas.microsoft.com/office/drawing/2014/main" id="{B3254059-39EC-48CC-B948-9EE6B0551757}"/>
-                </a:ext>
-                <a:ext uri="{C183D7F6-B498-43B3-948B-1728B52AA6E4}">
-                  <adec:decorative xmlns:adec="http://schemas.microsoft.com/office/drawing/2017/decorative" val="1"/>
-                </a:ext>
-              </a:extLst>
-            </p:cNvPr>
-            <p:cNvCxnSpPr>
-              <a:cxnSpLocks/>
-            </p:cNvCxnSpPr>
-            <p:nvPr>
-              <p:extLst>
-                <p:ext uri="{386F3935-93C4-4BCD-93E2-E3B085C9AB24}">
-                  <p16:designElem xmlns:p16="http://schemas.microsoft.com/office/powerpoint/2015/main" val="1"/>
-                </p:ext>
-              </p:extLst>
-            </p:nvPr>
-          </p:nvCxnSpPr>
-          <p:spPr>
-            <a:xfrm>
-              <a:off x="11993258" y="-1"/>
-              <a:ext cx="0" cy="6858000"/>
-            </a:xfrm>
-            <a:prstGeom prst="line">
-              <a:avLst/>
-            </a:prstGeom>
-            <a:ln w="12700">
-              <a:solidFill>
-                <a:srgbClr val="BCBCBC">
-                  <a:alpha val="29804"/>
-                </a:srgbClr>
-              </a:solidFill>
-              <a:prstDash val="sysDot"/>
-            </a:ln>
-          </p:spPr>
-          <p:style>
-            <a:lnRef idx="1">
-              <a:schemeClr val="accent1"/>
-            </a:lnRef>
-            <a:fillRef idx="0">
-              <a:schemeClr val="accent1"/>
-            </a:fillRef>
-            <a:effectRef idx="0">
-              <a:schemeClr val="accent1"/>
-            </a:effectRef>
-            <a:fontRef idx="minor">
-              <a:schemeClr val="tx1"/>
-            </a:fontRef>
-          </p:style>
-        </p:cxnSp>
-        <p:cxnSp>
-          <p:nvCxnSpPr>
-            <p:cNvPr id="279" name="Straight Connector 278">
-              <a:extLst>
-                <a:ext uri="{FF2B5EF4-FFF2-40B4-BE49-F238E27FC236}">
-                  <a16:creationId xmlns:a16="http://schemas.microsoft.com/office/drawing/2014/main" id="{AF3E0572-7D5E-4FAA-B67C-23A9C6D71552}"/>
-                </a:ext>
-                <a:ext uri="{C183D7F6-B498-43B3-948B-1728B52AA6E4}">
-                  <adec:decorative xmlns:adec="http://schemas.microsoft.com/office/drawing/2017/decorative" val="1"/>
-                </a:ext>
-              </a:extLst>
-            </p:cNvPr>
-            <p:cNvCxnSpPr>
-              <a:cxnSpLocks/>
-            </p:cNvCxnSpPr>
-            <p:nvPr>
-              <p:extLst>
-                <p:ext uri="{386F3935-93C4-4BCD-93E2-E3B085C9AB24}">
-                  <p16:designElem xmlns:p16="http://schemas.microsoft.com/office/powerpoint/2015/main" val="1"/>
-                </p:ext>
-              </p:extLst>
-            </p:nvPr>
-          </p:nvCxnSpPr>
-          <p:spPr>
-            <a:xfrm>
-              <a:off x="192528" y="-1"/>
-              <a:ext cx="0" cy="6858000"/>
-            </a:xfrm>
-            <a:prstGeom prst="line">
-              <a:avLst/>
-            </a:prstGeom>
-            <a:ln w="12700">
-              <a:solidFill>
-                <a:srgbClr val="BCBCBC">
-                  <a:alpha val="29804"/>
-                </a:srgbClr>
-              </a:solidFill>
-              <a:prstDash val="sysDot"/>
-            </a:ln>
-          </p:spPr>
-          <p:style>
-            <a:lnRef idx="1">
-              <a:schemeClr val="accent1"/>
-            </a:lnRef>
-            <a:fillRef idx="0">
-              <a:schemeClr val="accent1"/>
-            </a:fillRef>
-            <a:effectRef idx="0">
-              <a:schemeClr val="accent1"/>
-            </a:effectRef>
-            <a:fontRef idx="minor">
-              <a:schemeClr val="tx1"/>
-            </a:fontRef>
-          </p:style>
-        </p:cxnSp>
-        <p:cxnSp>
-          <p:nvCxnSpPr>
-            <p:cNvPr id="280" name="Straight Connector 279">
-              <a:extLst>
-                <a:ext uri="{FF2B5EF4-FFF2-40B4-BE49-F238E27FC236}">
-                  <a16:creationId xmlns:a16="http://schemas.microsoft.com/office/drawing/2014/main" id="{2C5F1231-CF22-4258-B764-592B6CB8DC08}"/>
-                </a:ext>
-                <a:ext uri="{C183D7F6-B498-43B3-948B-1728B52AA6E4}">
-                  <adec:decorative xmlns:adec="http://schemas.microsoft.com/office/drawing/2017/decorative" val="1"/>
-                </a:ext>
-              </a:extLst>
-            </p:cNvPr>
-            <p:cNvCxnSpPr>
-              <a:cxnSpLocks/>
-            </p:cNvCxnSpPr>
-            <p:nvPr>
-              <p:extLst>
-                <p:ext uri="{386F3935-93C4-4BCD-93E2-E3B085C9AB24}">
-                  <p16:designElem xmlns:p16="http://schemas.microsoft.com/office/powerpoint/2015/main" val="1"/>
-                </p:ext>
-              </p:extLst>
-            </p:nvPr>
-          </p:nvCxnSpPr>
-          <p:spPr>
-            <a:xfrm>
-              <a:off x="1175922" y="-1"/>
-              <a:ext cx="0" cy="6858000"/>
-            </a:xfrm>
-            <a:prstGeom prst="line">
-              <a:avLst/>
-            </a:prstGeom>
-            <a:ln w="12700">
-              <a:solidFill>
-                <a:srgbClr val="BCBCBC">
-                  <a:alpha val="29804"/>
-                </a:srgbClr>
-              </a:solidFill>
-              <a:prstDash val="sysDot"/>
-            </a:ln>
-          </p:spPr>
-          <p:style>
-            <a:lnRef idx="1">
-              <a:schemeClr val="accent1"/>
-            </a:lnRef>
-            <a:fillRef idx="0">
-              <a:schemeClr val="accent1"/>
-            </a:fillRef>
-            <a:effectRef idx="0">
-              <a:schemeClr val="accent1"/>
-            </a:effectRef>
-            <a:fontRef idx="minor">
-              <a:schemeClr val="tx1"/>
-            </a:fontRef>
-          </p:style>
-        </p:cxnSp>
-        <p:cxnSp>
-          <p:nvCxnSpPr>
-            <p:cNvPr id="281" name="Straight Connector 280">
-              <a:extLst>
-                <a:ext uri="{FF2B5EF4-FFF2-40B4-BE49-F238E27FC236}">
-                  <a16:creationId xmlns:a16="http://schemas.microsoft.com/office/drawing/2014/main" id="{1B2C5387-42A2-4464-BF18-E70B0227B921}"/>
-                </a:ext>
-                <a:ext uri="{C183D7F6-B498-43B3-948B-1728B52AA6E4}">
-                  <adec:decorative xmlns:adec="http://schemas.microsoft.com/office/drawing/2017/decorative" val="1"/>
-                </a:ext>
-              </a:extLst>
-            </p:cNvPr>
-            <p:cNvCxnSpPr>
-              <a:cxnSpLocks/>
-            </p:cNvCxnSpPr>
-            <p:nvPr>
-              <p:extLst>
-                <p:ext uri="{386F3935-93C4-4BCD-93E2-E3B085C9AB24}">
-                  <p16:designElem xmlns:p16="http://schemas.microsoft.com/office/powerpoint/2015/main" val="1"/>
-                </p:ext>
-              </p:extLst>
-            </p:nvPr>
-          </p:nvCxnSpPr>
-          <p:spPr>
-            <a:xfrm>
-              <a:off x="2159316" y="-1"/>
-              <a:ext cx="0" cy="6858000"/>
-            </a:xfrm>
-            <a:prstGeom prst="line">
-              <a:avLst/>
-            </a:prstGeom>
-            <a:ln w="12700">
-              <a:solidFill>
-                <a:srgbClr val="BCBCBC">
-                  <a:alpha val="29804"/>
-                </a:srgbClr>
-              </a:solidFill>
-              <a:prstDash val="sysDot"/>
-            </a:ln>
-          </p:spPr>
-          <p:style>
-            <a:lnRef idx="1">
-              <a:schemeClr val="accent1"/>
-            </a:lnRef>
-            <a:fillRef idx="0">
-              <a:schemeClr val="accent1"/>
-            </a:fillRef>
-            <a:effectRef idx="0">
-              <a:schemeClr val="accent1"/>
-            </a:effectRef>
-            <a:fontRef idx="minor">
-              <a:schemeClr val="tx1"/>
-            </a:fontRef>
-          </p:style>
-        </p:cxnSp>
-        <p:cxnSp>
-          <p:nvCxnSpPr>
-            <p:cNvPr id="282" name="Straight Connector 281">
-              <a:extLst>
-                <a:ext uri="{FF2B5EF4-FFF2-40B4-BE49-F238E27FC236}">
-                  <a16:creationId xmlns:a16="http://schemas.microsoft.com/office/drawing/2014/main" id="{2926F39D-AFC8-4FF6-9211-84AA77717625}"/>
-                </a:ext>
-                <a:ext uri="{C183D7F6-B498-43B3-948B-1728B52AA6E4}">
-                  <adec:decorative xmlns:adec="http://schemas.microsoft.com/office/drawing/2017/decorative" val="1"/>
-                </a:ext>
-              </a:extLst>
-            </p:cNvPr>
-            <p:cNvCxnSpPr>
-              <a:cxnSpLocks/>
-            </p:cNvCxnSpPr>
-            <p:nvPr>
-              <p:extLst>
-                <p:ext uri="{386F3935-93C4-4BCD-93E2-E3B085C9AB24}">
-                  <p16:designElem xmlns:p16="http://schemas.microsoft.com/office/powerpoint/2015/main" val="1"/>
-                </p:ext>
-              </p:extLst>
-            </p:nvPr>
-          </p:nvCxnSpPr>
-          <p:spPr>
-            <a:xfrm>
-              <a:off x="3142710" y="-1"/>
-              <a:ext cx="0" cy="6858000"/>
-            </a:xfrm>
-            <a:prstGeom prst="line">
-              <a:avLst/>
-            </a:prstGeom>
-            <a:ln w="12700">
-              <a:solidFill>
-                <a:srgbClr val="BCBCBC">
-                  <a:alpha val="29804"/>
-                </a:srgbClr>
-              </a:solidFill>
-              <a:prstDash val="sysDot"/>
-            </a:ln>
-          </p:spPr>
-          <p:style>
-            <a:lnRef idx="1">
-              <a:schemeClr val="accent1"/>
-            </a:lnRef>
-            <a:fillRef idx="0">
-              <a:schemeClr val="accent1"/>
-            </a:fillRef>
-            <a:effectRef idx="0">
-              <a:schemeClr val="accent1"/>
-            </a:effectRef>
-            <a:fontRef idx="minor">
-              <a:schemeClr val="tx1"/>
-            </a:fontRef>
-          </p:style>
-        </p:cxnSp>
-        <p:cxnSp>
-          <p:nvCxnSpPr>
-            <p:cNvPr id="283" name="Straight Connector 282">
-              <a:extLst>
-                <a:ext uri="{FF2B5EF4-FFF2-40B4-BE49-F238E27FC236}">
-                  <a16:creationId xmlns:a16="http://schemas.microsoft.com/office/drawing/2014/main" id="{0D812696-9AF7-4D2B-A041-80C015F33AAB}"/>
-                </a:ext>
-                <a:ext uri="{C183D7F6-B498-43B3-948B-1728B52AA6E4}">
-                  <adec:decorative xmlns:adec="http://schemas.microsoft.com/office/drawing/2017/decorative" val="1"/>
-                </a:ext>
-              </a:extLst>
-            </p:cNvPr>
-            <p:cNvCxnSpPr>
-              <a:cxnSpLocks/>
-            </p:cNvCxnSpPr>
-            <p:nvPr>
-              <p:extLst>
-                <p:ext uri="{386F3935-93C4-4BCD-93E2-E3B085C9AB24}">
-                  <p16:designElem xmlns:p16="http://schemas.microsoft.com/office/powerpoint/2015/main" val="1"/>
-                </p:ext>
-              </p:extLst>
-            </p:nvPr>
-          </p:nvCxnSpPr>
-          <p:spPr>
-            <a:xfrm>
-              <a:off x="4126104" y="-1"/>
-              <a:ext cx="0" cy="6858000"/>
-            </a:xfrm>
-            <a:prstGeom prst="line">
-              <a:avLst/>
-            </a:prstGeom>
-            <a:ln w="12700">
-              <a:solidFill>
-                <a:srgbClr val="BCBCBC">
-                  <a:alpha val="29804"/>
-                </a:srgbClr>
-              </a:solidFill>
-              <a:prstDash val="sysDot"/>
-            </a:ln>
-          </p:spPr>
-          <p:style>
-            <a:lnRef idx="1">
-              <a:schemeClr val="accent1"/>
-            </a:lnRef>
-            <a:fillRef idx="0">
-              <a:schemeClr val="accent1"/>
-            </a:fillRef>
-            <a:effectRef idx="0">
-              <a:schemeClr val="accent1"/>
-            </a:effectRef>
-            <a:fontRef idx="minor">
-              <a:schemeClr val="tx1"/>
-            </a:fontRef>
-          </p:style>
-        </p:cxnSp>
-        <p:cxnSp>
-          <p:nvCxnSpPr>
-            <p:cNvPr id="284" name="Straight Connector 283">
-              <a:extLst>
-                <a:ext uri="{FF2B5EF4-FFF2-40B4-BE49-F238E27FC236}">
-                  <a16:creationId xmlns:a16="http://schemas.microsoft.com/office/drawing/2014/main" id="{CE6CB557-1E5B-4D2D-9330-8EB4AF7307C4}"/>
-                </a:ext>
-                <a:ext uri="{C183D7F6-B498-43B3-948B-1728B52AA6E4}">
-                  <adec:decorative xmlns:adec="http://schemas.microsoft.com/office/drawing/2017/decorative" val="1"/>
-                </a:ext>
-              </a:extLst>
-            </p:cNvPr>
-            <p:cNvCxnSpPr>
-              <a:cxnSpLocks/>
-            </p:cNvCxnSpPr>
-            <p:nvPr>
-              <p:extLst>
-                <p:ext uri="{386F3935-93C4-4BCD-93E2-E3B085C9AB24}">
-                  <p16:designElem xmlns:p16="http://schemas.microsoft.com/office/powerpoint/2015/main" val="1"/>
-                </p:ext>
-              </p:extLst>
-            </p:nvPr>
-          </p:nvCxnSpPr>
-          <p:spPr>
-            <a:xfrm>
-              <a:off x="5109498" y="-1"/>
-              <a:ext cx="0" cy="6858000"/>
-            </a:xfrm>
-            <a:prstGeom prst="line">
-              <a:avLst/>
-            </a:prstGeom>
-            <a:ln w="12700">
-              <a:solidFill>
-                <a:srgbClr val="BCBCBC">
-                  <a:alpha val="29804"/>
-                </a:srgbClr>
-              </a:solidFill>
-              <a:prstDash val="sysDot"/>
-            </a:ln>
-          </p:spPr>
-          <p:style>
-            <a:lnRef idx="1">
-              <a:schemeClr val="accent1"/>
-            </a:lnRef>
-            <a:fillRef idx="0">
-              <a:schemeClr val="accent1"/>
-            </a:fillRef>
-            <a:effectRef idx="0">
-              <a:schemeClr val="accent1"/>
-            </a:effectRef>
-            <a:fontRef idx="minor">
-              <a:schemeClr val="tx1"/>
-            </a:fontRef>
-          </p:style>
-        </p:cxnSp>
-        <p:cxnSp>
-          <p:nvCxnSpPr>
-            <p:cNvPr id="285" name="Straight Connector 284">
-              <a:extLst>
-                <a:ext uri="{FF2B5EF4-FFF2-40B4-BE49-F238E27FC236}">
-                  <a16:creationId xmlns:a16="http://schemas.microsoft.com/office/drawing/2014/main" id="{A03A4B30-3A15-4294-9BED-E7317857F060}"/>
-                </a:ext>
-                <a:ext uri="{C183D7F6-B498-43B3-948B-1728B52AA6E4}">
-                  <adec:decorative xmlns:adec="http://schemas.microsoft.com/office/drawing/2017/decorative" val="1"/>
-                </a:ext>
-              </a:extLst>
-            </p:cNvPr>
-            <p:cNvCxnSpPr>
-              <a:cxnSpLocks/>
-            </p:cNvCxnSpPr>
-            <p:nvPr>
-              <p:extLst>
-                <p:ext uri="{386F3935-93C4-4BCD-93E2-E3B085C9AB24}">
-                  <p16:designElem xmlns:p16="http://schemas.microsoft.com/office/powerpoint/2015/main" val="1"/>
-                </p:ext>
-              </p:extLst>
-            </p:nvPr>
-          </p:nvCxnSpPr>
-          <p:spPr>
-            <a:xfrm>
-              <a:off x="6092892" y="-1"/>
-              <a:ext cx="0" cy="6858000"/>
-            </a:xfrm>
-            <a:prstGeom prst="line">
-              <a:avLst/>
-            </a:prstGeom>
-            <a:ln w="12700">
-              <a:solidFill>
-                <a:srgbClr val="BCBCBC">
-                  <a:alpha val="29804"/>
-                </a:srgbClr>
-              </a:solidFill>
-              <a:prstDash val="sysDot"/>
-            </a:ln>
-          </p:spPr>
-          <p:style>
-            <a:lnRef idx="1">
-              <a:schemeClr val="accent1"/>
-            </a:lnRef>
-            <a:fillRef idx="0">
-              <a:schemeClr val="accent1"/>
-            </a:fillRef>
-            <a:effectRef idx="0">
-              <a:schemeClr val="accent1"/>
-            </a:effectRef>
-            <a:fontRef idx="minor">
-              <a:schemeClr val="tx1"/>
-            </a:fontRef>
-          </p:style>
-        </p:cxnSp>
-        <p:cxnSp>
-          <p:nvCxnSpPr>
-            <p:cNvPr id="286" name="Straight Connector 285">
-              <a:extLst>
-                <a:ext uri="{FF2B5EF4-FFF2-40B4-BE49-F238E27FC236}">
-                  <a16:creationId xmlns:a16="http://schemas.microsoft.com/office/drawing/2014/main" id="{0E7B8343-CDF9-4023-9FBF-F4ADE601B2AC}"/>
-                </a:ext>
-                <a:ext uri="{C183D7F6-B498-43B3-948B-1728B52AA6E4}">
-                  <adec:decorative xmlns:adec="http://schemas.microsoft.com/office/drawing/2017/decorative" val="1"/>
-                </a:ext>
-              </a:extLst>
-            </p:cNvPr>
-            <p:cNvCxnSpPr>
-              <a:cxnSpLocks/>
-            </p:cNvCxnSpPr>
-            <p:nvPr>
-              <p:extLst>
-                <p:ext uri="{386F3935-93C4-4BCD-93E2-E3B085C9AB24}">
-                  <p16:designElem xmlns:p16="http://schemas.microsoft.com/office/powerpoint/2015/main" val="1"/>
-                </p:ext>
-              </p:extLst>
-            </p:nvPr>
-          </p:nvCxnSpPr>
-          <p:spPr>
-            <a:xfrm>
-              <a:off x="7076286" y="-1"/>
-              <a:ext cx="0" cy="6858000"/>
-            </a:xfrm>
-            <a:prstGeom prst="line">
-              <a:avLst/>
-            </a:prstGeom>
-            <a:ln w="12700">
-              <a:solidFill>
-                <a:srgbClr val="BCBCBC">
-                  <a:alpha val="29804"/>
-                </a:srgbClr>
-              </a:solidFill>
-              <a:prstDash val="sysDot"/>
-            </a:ln>
-          </p:spPr>
-          <p:style>
-            <a:lnRef idx="1">
-              <a:schemeClr val="accent1"/>
-            </a:lnRef>
-            <a:fillRef idx="0">
-              <a:schemeClr val="accent1"/>
-            </a:fillRef>
-            <a:effectRef idx="0">
-              <a:schemeClr val="accent1"/>
-            </a:effectRef>
-            <a:fontRef idx="minor">
-              <a:schemeClr val="tx1"/>
-            </a:fontRef>
-          </p:style>
-        </p:cxnSp>
-        <p:cxnSp>
-          <p:nvCxnSpPr>
-            <p:cNvPr id="287" name="Straight Connector 286">
-              <a:extLst>
-                <a:ext uri="{FF2B5EF4-FFF2-40B4-BE49-F238E27FC236}">
-                  <a16:creationId xmlns:a16="http://schemas.microsoft.com/office/drawing/2014/main" id="{9BB30BD5-639D-4F53-BC6C-2A8D0FFFE52A}"/>
-                </a:ext>
-                <a:ext uri="{C183D7F6-B498-43B3-948B-1728B52AA6E4}">
-                  <adec:decorative xmlns:adec="http://schemas.microsoft.com/office/drawing/2017/decorative" val="1"/>
-                </a:ext>
-              </a:extLst>
-            </p:cNvPr>
-            <p:cNvCxnSpPr>
-              <a:cxnSpLocks/>
-            </p:cNvCxnSpPr>
-            <p:nvPr>
-              <p:extLst>
-                <p:ext uri="{386F3935-93C4-4BCD-93E2-E3B085C9AB24}">
-                  <p16:designElem xmlns:p16="http://schemas.microsoft.com/office/powerpoint/2015/main" val="1"/>
-                </p:ext>
-              </p:extLst>
-            </p:nvPr>
-          </p:nvCxnSpPr>
-          <p:spPr>
-            <a:xfrm>
-              <a:off x="8059680" y="-1"/>
-              <a:ext cx="0" cy="6858000"/>
-            </a:xfrm>
-            <a:prstGeom prst="line">
-              <a:avLst/>
-            </a:prstGeom>
-            <a:ln w="12700">
-              <a:solidFill>
-                <a:srgbClr val="BCBCBC">
-                  <a:alpha val="29804"/>
-                </a:srgbClr>
-              </a:solidFill>
-              <a:prstDash val="sysDot"/>
-            </a:ln>
-          </p:spPr>
-          <p:style>
-            <a:lnRef idx="1">
-              <a:schemeClr val="accent1"/>
-            </a:lnRef>
-            <a:fillRef idx="0">
-              <a:schemeClr val="accent1"/>
-            </a:fillRef>
-            <a:effectRef idx="0">
-              <a:schemeClr val="accent1"/>
-            </a:effectRef>
-            <a:fontRef idx="minor">
-              <a:schemeClr val="tx1"/>
-            </a:fontRef>
-          </p:style>
-        </p:cxnSp>
-        <p:cxnSp>
-          <p:nvCxnSpPr>
-            <p:cNvPr id="288" name="Straight Connector 287">
-              <a:extLst>
-                <a:ext uri="{FF2B5EF4-FFF2-40B4-BE49-F238E27FC236}">
-                  <a16:creationId xmlns:a16="http://schemas.microsoft.com/office/drawing/2014/main" id="{8D7E1947-04B8-4F0B-9E3C-FC4E26D618F3}"/>
-                </a:ext>
-                <a:ext uri="{C183D7F6-B498-43B3-948B-1728B52AA6E4}">
-                  <adec:decorative xmlns:adec="http://schemas.microsoft.com/office/drawing/2017/decorative" val="1"/>
-                </a:ext>
-              </a:extLst>
-            </p:cNvPr>
-            <p:cNvCxnSpPr>
-              <a:cxnSpLocks/>
-            </p:cNvCxnSpPr>
-            <p:nvPr>
-              <p:extLst>
-                <p:ext uri="{386F3935-93C4-4BCD-93E2-E3B085C9AB24}">
-                  <p16:designElem xmlns:p16="http://schemas.microsoft.com/office/powerpoint/2015/main" val="1"/>
-                </p:ext>
-              </p:extLst>
-            </p:nvPr>
-          </p:nvCxnSpPr>
-          <p:spPr>
-            <a:xfrm>
-              <a:off x="9043074" y="-1"/>
-              <a:ext cx="0" cy="6858000"/>
-            </a:xfrm>
-            <a:prstGeom prst="line">
-              <a:avLst/>
-            </a:prstGeom>
-            <a:ln w="12700">
-              <a:solidFill>
-                <a:srgbClr val="BCBCBC">
-                  <a:alpha val="29804"/>
-                </a:srgbClr>
-              </a:solidFill>
-              <a:prstDash val="sysDot"/>
-            </a:ln>
-          </p:spPr>
-          <p:style>
-            <a:lnRef idx="1">
-              <a:schemeClr val="accent1"/>
-            </a:lnRef>
-            <a:fillRef idx="0">
-              <a:schemeClr val="accent1"/>
-            </a:fillRef>
-            <a:effectRef idx="0">
-              <a:schemeClr val="accent1"/>
-            </a:effectRef>
-            <a:fontRef idx="minor">
-              <a:schemeClr val="tx1"/>
-            </a:fontRef>
-          </p:style>
-        </p:cxnSp>
-        <p:cxnSp>
-          <p:nvCxnSpPr>
-            <p:cNvPr id="289" name="Straight Connector 288">
-              <a:extLst>
-                <a:ext uri="{FF2B5EF4-FFF2-40B4-BE49-F238E27FC236}">
-                  <a16:creationId xmlns:a16="http://schemas.microsoft.com/office/drawing/2014/main" id="{83EDB6D6-D309-48D4-87F4-AAED7C57C747}"/>
-                </a:ext>
-                <a:ext uri="{C183D7F6-B498-43B3-948B-1728B52AA6E4}">
-                  <adec:decorative xmlns:adec="http://schemas.microsoft.com/office/drawing/2017/decorative" val="1"/>
-                </a:ext>
-              </a:extLst>
-            </p:cNvPr>
-            <p:cNvCxnSpPr>
-              <a:cxnSpLocks/>
-            </p:cNvCxnSpPr>
-            <p:nvPr>
-              <p:extLst>
-                <p:ext uri="{386F3935-93C4-4BCD-93E2-E3B085C9AB24}">
-                  <p16:designElem xmlns:p16="http://schemas.microsoft.com/office/powerpoint/2015/main" val="1"/>
-                </p:ext>
-              </p:extLst>
-            </p:nvPr>
-          </p:nvCxnSpPr>
-          <p:spPr>
-            <a:xfrm>
-              <a:off x="10026468" y="-1"/>
-              <a:ext cx="0" cy="6858000"/>
-            </a:xfrm>
-            <a:prstGeom prst="line">
-              <a:avLst/>
-            </a:prstGeom>
-            <a:ln w="12700">
-              <a:solidFill>
-                <a:srgbClr val="BCBCBC">
-                  <a:alpha val="29804"/>
-                </a:srgbClr>
-              </a:solidFill>
-              <a:prstDash val="sysDot"/>
-            </a:ln>
-          </p:spPr>
-          <p:style>
-            <a:lnRef idx="1">
-              <a:schemeClr val="accent1"/>
-            </a:lnRef>
-            <a:fillRef idx="0">
-              <a:schemeClr val="accent1"/>
-            </a:fillRef>
-            <a:effectRef idx="0">
-              <a:schemeClr val="accent1"/>
-            </a:effectRef>
-            <a:fontRef idx="minor">
-              <a:schemeClr val="tx1"/>
-            </a:fontRef>
-          </p:style>
-        </p:cxnSp>
-        <p:cxnSp>
-          <p:nvCxnSpPr>
-            <p:cNvPr id="290" name="Straight Connector 289">
-              <a:extLst>
-                <a:ext uri="{FF2B5EF4-FFF2-40B4-BE49-F238E27FC236}">
-                  <a16:creationId xmlns:a16="http://schemas.microsoft.com/office/drawing/2014/main" id="{0F2E163F-B043-43B7-85CE-36F2136BAB3D}"/>
-                </a:ext>
-                <a:ext uri="{C183D7F6-B498-43B3-948B-1728B52AA6E4}">
-                  <adec:decorative xmlns:adec="http://schemas.microsoft.com/office/drawing/2017/decorative" val="1"/>
-                </a:ext>
-              </a:extLst>
-            </p:cNvPr>
-            <p:cNvCxnSpPr>
-              <a:cxnSpLocks/>
-            </p:cNvCxnSpPr>
-            <p:nvPr>
-              <p:extLst>
-                <p:ext uri="{386F3935-93C4-4BCD-93E2-E3B085C9AB24}">
-                  <p16:designElem xmlns:p16="http://schemas.microsoft.com/office/powerpoint/2015/main" val="1"/>
-                </p:ext>
-              </p:extLst>
-            </p:nvPr>
-          </p:nvCxnSpPr>
-          <p:spPr>
-            <a:xfrm>
-              <a:off x="11009862" y="-1"/>
-              <a:ext cx="0" cy="6858000"/>
-            </a:xfrm>
-            <a:prstGeom prst="line">
-              <a:avLst/>
-            </a:prstGeom>
-            <a:ln w="12700">
-              <a:solidFill>
-                <a:srgbClr val="BCBCBC">
-                  <a:alpha val="29804"/>
-                </a:srgbClr>
-              </a:solidFill>
-              <a:prstDash val="sysDot"/>
-            </a:ln>
-          </p:spPr>
-          <p:style>
-            <a:lnRef idx="1">
-              <a:schemeClr val="accent1"/>
-            </a:lnRef>
-            <a:fillRef idx="0">
-              <a:schemeClr val="accent1"/>
-            </a:fillRef>
-            <a:effectRef idx="0">
-              <a:schemeClr val="accent1"/>
-            </a:effectRef>
-            <a:fontRef idx="minor">
-              <a:schemeClr val="tx1"/>
-            </a:fontRef>
-          </p:style>
-        </p:cxnSp>
-        <p:cxnSp>
-          <p:nvCxnSpPr>
-            <p:cNvPr id="291" name="Straight Connector 290">
-              <a:extLst>
-                <a:ext uri="{FF2B5EF4-FFF2-40B4-BE49-F238E27FC236}">
-                  <a16:creationId xmlns:a16="http://schemas.microsoft.com/office/drawing/2014/main" id="{1F6CB03C-E3B1-4D22-ABA3-986CC09FB303}"/>
-                </a:ext>
-                <a:ext uri="{C183D7F6-B498-43B3-948B-1728B52AA6E4}">
-                  <adec:decorative xmlns:adec="http://schemas.microsoft.com/office/drawing/2017/decorative" val="1"/>
-                </a:ext>
-              </a:extLst>
-            </p:cNvPr>
-            <p:cNvCxnSpPr>
-              <a:cxnSpLocks/>
-            </p:cNvCxnSpPr>
-            <p:nvPr>
-              <p:extLst>
-                <p:ext uri="{386F3935-93C4-4BCD-93E2-E3B085C9AB24}">
-                  <p16:designElem xmlns:p16="http://schemas.microsoft.com/office/powerpoint/2015/main" val="1"/>
-                </p:ext>
-              </p:extLst>
-            </p:nvPr>
-          </p:nvCxnSpPr>
-          <p:spPr>
-            <a:xfrm>
-              <a:off x="12185786" y="-1"/>
-              <a:ext cx="0" cy="6858000"/>
-            </a:xfrm>
-            <a:prstGeom prst="line">
-              <a:avLst/>
-            </a:prstGeom>
-            <a:ln w="12700">
-              <a:solidFill>
-                <a:srgbClr val="BCBCBC">
-                  <a:alpha val="29804"/>
-                </a:srgbClr>
-              </a:solidFill>
-              <a:prstDash val="sysDot"/>
-            </a:ln>
-          </p:spPr>
-          <p:style>
-            <a:lnRef idx="1">
-              <a:schemeClr val="accent1"/>
-            </a:lnRef>
-            <a:fillRef idx="0">
-              <a:schemeClr val="accent1"/>
-            </a:fillRef>
-            <a:effectRef idx="0">
-              <a:schemeClr val="accent1"/>
-            </a:effectRef>
-            <a:fontRef idx="minor">
-              <a:schemeClr val="tx1"/>
-            </a:fontRef>
-          </p:style>
-        </p:cxnSp>
-        <p:cxnSp>
-          <p:nvCxnSpPr>
-            <p:cNvPr id="292" name="Straight Connector 291">
-              <a:extLst>
-                <a:ext uri="{FF2B5EF4-FFF2-40B4-BE49-F238E27FC236}">
-                  <a16:creationId xmlns:a16="http://schemas.microsoft.com/office/drawing/2014/main" id="{39B41E31-EE5F-423F-8B88-3B56009A3490}"/>
-                </a:ext>
-                <a:ext uri="{C183D7F6-B498-43B3-948B-1728B52AA6E4}">
-                  <adec:decorative xmlns:adec="http://schemas.microsoft.com/office/drawing/2017/decorative" val="1"/>
-                </a:ext>
-              </a:extLst>
-            </p:cNvPr>
-            <p:cNvCxnSpPr>
-              <a:cxnSpLocks/>
-            </p:cNvCxnSpPr>
-            <p:nvPr>
-              <p:extLst>
-                <p:ext uri="{386F3935-93C4-4BCD-93E2-E3B085C9AB24}">
-                  <p16:designElem xmlns:p16="http://schemas.microsoft.com/office/powerpoint/2015/main" val="1"/>
-                </p:ext>
-              </p:extLst>
-            </p:nvPr>
-          </p:nvCxnSpPr>
-          <p:spPr>
-            <a:xfrm>
-              <a:off x="0" y="171716"/>
-              <a:ext cx="12192000" cy="0"/>
-            </a:xfrm>
-            <a:prstGeom prst="line">
-              <a:avLst/>
-            </a:prstGeom>
-            <a:ln w="12700">
-              <a:solidFill>
-                <a:srgbClr val="BCBCBC">
-                  <a:alpha val="29804"/>
-                </a:srgbClr>
-              </a:solidFill>
-              <a:prstDash val="sysDot"/>
-            </a:ln>
-          </p:spPr>
-          <p:style>
-            <a:lnRef idx="1">
-              <a:schemeClr val="accent1"/>
-            </a:lnRef>
-            <a:fillRef idx="0">
-              <a:schemeClr val="accent1"/>
-            </a:fillRef>
-            <a:effectRef idx="0">
-              <a:schemeClr val="accent1"/>
-            </a:effectRef>
-            <a:fontRef idx="minor">
-              <a:schemeClr val="tx1"/>
-            </a:fontRef>
-          </p:style>
-        </p:cxnSp>
-        <p:cxnSp>
-          <p:nvCxnSpPr>
-            <p:cNvPr id="293" name="Straight Connector 292">
-              <a:extLst>
-                <a:ext uri="{FF2B5EF4-FFF2-40B4-BE49-F238E27FC236}">
-                  <a16:creationId xmlns:a16="http://schemas.microsoft.com/office/drawing/2014/main" id="{B59D4FE6-B271-4427-8273-0B80EF13668E}"/>
-                </a:ext>
-                <a:ext uri="{C183D7F6-B498-43B3-948B-1728B52AA6E4}">
-                  <adec:decorative xmlns:adec="http://schemas.microsoft.com/office/drawing/2017/decorative" val="1"/>
-                </a:ext>
-              </a:extLst>
-            </p:cNvPr>
-            <p:cNvCxnSpPr>
-              <a:cxnSpLocks/>
-            </p:cNvCxnSpPr>
-            <p:nvPr>
-              <p:extLst>
-                <p:ext uri="{386F3935-93C4-4BCD-93E2-E3B085C9AB24}">
-                  <p16:designElem xmlns:p16="http://schemas.microsoft.com/office/powerpoint/2015/main" val="1"/>
-                </p:ext>
-              </p:extLst>
-            </p:nvPr>
-          </p:nvCxnSpPr>
-          <p:spPr>
-            <a:xfrm>
-              <a:off x="0" y="714597"/>
-              <a:ext cx="12192000" cy="0"/>
-            </a:xfrm>
-            <a:prstGeom prst="line">
-              <a:avLst/>
-            </a:prstGeom>
-            <a:ln w="12700">
-              <a:solidFill>
-                <a:srgbClr val="BCBCBC">
-                  <a:alpha val="29804"/>
-                </a:srgbClr>
-              </a:solidFill>
-              <a:prstDash val="sysDot"/>
-            </a:ln>
-          </p:spPr>
-          <p:style>
-            <a:lnRef idx="1">
-              <a:schemeClr val="accent1"/>
-            </a:lnRef>
-            <a:fillRef idx="0">
-              <a:schemeClr val="accent1"/>
-            </a:fillRef>
-            <a:effectRef idx="0">
-              <a:schemeClr val="accent1"/>
-            </a:effectRef>
-            <a:fontRef idx="minor">
-              <a:schemeClr val="tx1"/>
-            </a:fontRef>
-          </p:style>
-        </p:cxnSp>
-        <p:cxnSp>
-          <p:nvCxnSpPr>
-            <p:cNvPr id="294" name="Straight Connector 293">
-              <a:extLst>
-                <a:ext uri="{FF2B5EF4-FFF2-40B4-BE49-F238E27FC236}">
-                  <a16:creationId xmlns:a16="http://schemas.microsoft.com/office/drawing/2014/main" id="{6F7D26D0-83A1-41B0-82E3-FB5D3E93EE79}"/>
-                </a:ext>
-                <a:ext uri="{C183D7F6-B498-43B3-948B-1728B52AA6E4}">
-                  <adec:decorative xmlns:adec="http://schemas.microsoft.com/office/drawing/2017/decorative" val="1"/>
-                </a:ext>
-              </a:extLst>
-            </p:cNvPr>
-            <p:cNvCxnSpPr>
-              <a:cxnSpLocks/>
-            </p:cNvCxnSpPr>
-            <p:nvPr>
-              <p:extLst>
-                <p:ext uri="{386F3935-93C4-4BCD-93E2-E3B085C9AB24}">
-                  <p16:designElem xmlns:p16="http://schemas.microsoft.com/office/powerpoint/2015/main" val="1"/>
-                </p:ext>
-              </p:extLst>
-            </p:nvPr>
-          </p:nvCxnSpPr>
-          <p:spPr>
-            <a:xfrm>
-              <a:off x="0" y="1257478"/>
-              <a:ext cx="12192000" cy="0"/>
-            </a:xfrm>
-            <a:prstGeom prst="line">
-              <a:avLst/>
-            </a:prstGeom>
-            <a:ln w="12700">
-              <a:solidFill>
-                <a:srgbClr val="BCBCBC">
-                  <a:alpha val="29804"/>
-                </a:srgbClr>
-              </a:solidFill>
-              <a:prstDash val="sysDot"/>
-            </a:ln>
-          </p:spPr>
-          <p:style>
-            <a:lnRef idx="1">
-              <a:schemeClr val="accent1"/>
-            </a:lnRef>
-            <a:fillRef idx="0">
-              <a:schemeClr val="accent1"/>
-            </a:fillRef>
-            <a:effectRef idx="0">
-              <a:schemeClr val="accent1"/>
-            </a:effectRef>
-            <a:fontRef idx="minor">
-              <a:schemeClr val="tx1"/>
-            </a:fontRef>
-          </p:style>
-        </p:cxnSp>
-        <p:cxnSp>
-          <p:nvCxnSpPr>
-            <p:cNvPr id="295" name="Straight Connector 294">
-              <a:extLst>
-                <a:ext uri="{FF2B5EF4-FFF2-40B4-BE49-F238E27FC236}">
-                  <a16:creationId xmlns:a16="http://schemas.microsoft.com/office/drawing/2014/main" id="{07E47C02-EBB8-4368-815C-FEDA23368DD9}"/>
-                </a:ext>
-                <a:ext uri="{C183D7F6-B498-43B3-948B-1728B52AA6E4}">
-                  <adec:decorative xmlns:adec="http://schemas.microsoft.com/office/drawing/2017/decorative" val="1"/>
-                </a:ext>
-              </a:extLst>
-            </p:cNvPr>
-            <p:cNvCxnSpPr>
-              <a:cxnSpLocks/>
-            </p:cNvCxnSpPr>
-            <p:nvPr>
-              <p:extLst>
-                <p:ext uri="{386F3935-93C4-4BCD-93E2-E3B085C9AB24}">
-                  <p16:designElem xmlns:p16="http://schemas.microsoft.com/office/powerpoint/2015/main" val="1"/>
-                </p:ext>
-              </p:extLst>
-            </p:nvPr>
-          </p:nvCxnSpPr>
-          <p:spPr>
-            <a:xfrm>
-              <a:off x="0" y="1800359"/>
-              <a:ext cx="12192000" cy="0"/>
-            </a:xfrm>
-            <a:prstGeom prst="line">
-              <a:avLst/>
-            </a:prstGeom>
-            <a:ln w="12700">
-              <a:solidFill>
-                <a:srgbClr val="BCBCBC">
-                  <a:alpha val="29804"/>
-                </a:srgbClr>
-              </a:solidFill>
-              <a:prstDash val="sysDot"/>
-            </a:ln>
-          </p:spPr>
-          <p:style>
-            <a:lnRef idx="1">
-              <a:schemeClr val="accent1"/>
-            </a:lnRef>
-            <a:fillRef idx="0">
-              <a:schemeClr val="accent1"/>
-            </a:fillRef>
-            <a:effectRef idx="0">
-              <a:schemeClr val="accent1"/>
-            </a:effectRef>
-            <a:fontRef idx="minor">
-              <a:schemeClr val="tx1"/>
-            </a:fontRef>
-          </p:style>
-        </p:cxnSp>
-        <p:cxnSp>
-          <p:nvCxnSpPr>
-            <p:cNvPr id="296" name="Straight Connector 295">
-              <a:extLst>
-                <a:ext uri="{FF2B5EF4-FFF2-40B4-BE49-F238E27FC236}">
-                  <a16:creationId xmlns:a16="http://schemas.microsoft.com/office/drawing/2014/main" id="{8E61DA55-8618-4048-A65A-41E072D9FF9D}"/>
-                </a:ext>
-                <a:ext uri="{C183D7F6-B498-43B3-948B-1728B52AA6E4}">
-                  <adec:decorative xmlns:adec="http://schemas.microsoft.com/office/drawing/2017/decorative" val="1"/>
-                </a:ext>
-              </a:extLst>
-            </p:cNvPr>
-            <p:cNvCxnSpPr>
-              <a:cxnSpLocks/>
-            </p:cNvCxnSpPr>
-            <p:nvPr>
-              <p:extLst>
-                <p:ext uri="{386F3935-93C4-4BCD-93E2-E3B085C9AB24}">
-                  <p16:designElem xmlns:p16="http://schemas.microsoft.com/office/powerpoint/2015/main" val="1"/>
-                </p:ext>
-              </p:extLst>
-            </p:nvPr>
-          </p:nvCxnSpPr>
-          <p:spPr>
-            <a:xfrm>
-              <a:off x="0" y="2343240"/>
-              <a:ext cx="12192000" cy="0"/>
-            </a:xfrm>
-            <a:prstGeom prst="line">
-              <a:avLst/>
-            </a:prstGeom>
-            <a:ln w="12700">
-              <a:solidFill>
-                <a:srgbClr val="BCBCBC">
-                  <a:alpha val="29804"/>
-                </a:srgbClr>
-              </a:solidFill>
-              <a:prstDash val="sysDot"/>
-            </a:ln>
-          </p:spPr>
-          <p:style>
-            <a:lnRef idx="1">
-              <a:schemeClr val="accent1"/>
-            </a:lnRef>
-            <a:fillRef idx="0">
-              <a:schemeClr val="accent1"/>
-            </a:fillRef>
-            <a:effectRef idx="0">
-              <a:schemeClr val="accent1"/>
-            </a:effectRef>
-            <a:fontRef idx="minor">
-              <a:schemeClr val="tx1"/>
-            </a:fontRef>
-          </p:style>
-        </p:cxnSp>
-        <p:cxnSp>
-          <p:nvCxnSpPr>
-            <p:cNvPr id="297" name="Straight Connector 296">
-              <a:extLst>
-                <a:ext uri="{FF2B5EF4-FFF2-40B4-BE49-F238E27FC236}">
-                  <a16:creationId xmlns:a16="http://schemas.microsoft.com/office/drawing/2014/main" id="{4DFC058B-6608-4509-92E1-D4D0D5BD57AC}"/>
-                </a:ext>
-                <a:ext uri="{C183D7F6-B498-43B3-948B-1728B52AA6E4}">
-                  <adec:decorative xmlns:adec="http://schemas.microsoft.com/office/drawing/2017/decorative" val="1"/>
-                </a:ext>
-              </a:extLst>
-            </p:cNvPr>
-            <p:cNvCxnSpPr>
-              <a:cxnSpLocks/>
-            </p:cNvCxnSpPr>
-            <p:nvPr>
-              <p:extLst>
-                <p:ext uri="{386F3935-93C4-4BCD-93E2-E3B085C9AB24}">
-                  <p16:designElem xmlns:p16="http://schemas.microsoft.com/office/powerpoint/2015/main" val="1"/>
-                </p:ext>
-              </p:extLst>
-            </p:nvPr>
-          </p:nvCxnSpPr>
-          <p:spPr>
-            <a:xfrm>
-              <a:off x="0" y="2886121"/>
-              <a:ext cx="12192000" cy="0"/>
-            </a:xfrm>
-            <a:prstGeom prst="line">
-              <a:avLst/>
-            </a:prstGeom>
-            <a:ln w="12700">
-              <a:solidFill>
-                <a:srgbClr val="BCBCBC">
-                  <a:alpha val="29804"/>
-                </a:srgbClr>
-              </a:solidFill>
-              <a:prstDash val="sysDot"/>
-            </a:ln>
-          </p:spPr>
-          <p:style>
-            <a:lnRef idx="1">
-              <a:schemeClr val="accent1"/>
-            </a:lnRef>
-            <a:fillRef idx="0">
-              <a:schemeClr val="accent1"/>
-            </a:fillRef>
-            <a:effectRef idx="0">
-              <a:schemeClr val="accent1"/>
-            </a:effectRef>
-            <a:fontRef idx="minor">
-              <a:schemeClr val="tx1"/>
-            </a:fontRef>
-          </p:style>
-        </p:cxnSp>
-        <p:cxnSp>
-          <p:nvCxnSpPr>
-            <p:cNvPr id="298" name="Straight Connector 297">
-              <a:extLst>
-                <a:ext uri="{FF2B5EF4-FFF2-40B4-BE49-F238E27FC236}">
-                  <a16:creationId xmlns:a16="http://schemas.microsoft.com/office/drawing/2014/main" id="{9E3652A3-36D6-4E0C-B7FB-52CD69E9CF9B}"/>
-                </a:ext>
-                <a:ext uri="{C183D7F6-B498-43B3-948B-1728B52AA6E4}">
-                  <adec:decorative xmlns:adec="http://schemas.microsoft.com/office/drawing/2017/decorative" val="1"/>
-                </a:ext>
-              </a:extLst>
-            </p:cNvPr>
-            <p:cNvCxnSpPr>
-              <a:cxnSpLocks/>
-            </p:cNvCxnSpPr>
-            <p:nvPr>
-              <p:extLst>
-                <p:ext uri="{386F3935-93C4-4BCD-93E2-E3B085C9AB24}">
-                  <p16:designElem xmlns:p16="http://schemas.microsoft.com/office/powerpoint/2015/main" val="1"/>
-                </p:ext>
-              </p:extLst>
-            </p:nvPr>
-          </p:nvCxnSpPr>
-          <p:spPr>
-            <a:xfrm>
-              <a:off x="0" y="3429002"/>
-              <a:ext cx="12192000" cy="0"/>
-            </a:xfrm>
-            <a:prstGeom prst="line">
-              <a:avLst/>
-            </a:prstGeom>
-            <a:ln w="12700">
-              <a:solidFill>
-                <a:srgbClr val="BCBCBC">
-                  <a:alpha val="29804"/>
-                </a:srgbClr>
-              </a:solidFill>
-              <a:prstDash val="sysDot"/>
-            </a:ln>
-          </p:spPr>
-          <p:style>
-            <a:lnRef idx="1">
-              <a:schemeClr val="accent1"/>
-            </a:lnRef>
-            <a:fillRef idx="0">
-              <a:schemeClr val="accent1"/>
-            </a:fillRef>
-            <a:effectRef idx="0">
-              <a:schemeClr val="accent1"/>
-            </a:effectRef>
-            <a:fontRef idx="minor">
-              <a:schemeClr val="tx1"/>
-            </a:fontRef>
-          </p:style>
-        </p:cxnSp>
-        <p:cxnSp>
-          <p:nvCxnSpPr>
-            <p:cNvPr id="299" name="Straight Connector 298">
-              <a:extLst>
-                <a:ext uri="{FF2B5EF4-FFF2-40B4-BE49-F238E27FC236}">
-                  <a16:creationId xmlns:a16="http://schemas.microsoft.com/office/drawing/2014/main" id="{8BF82BE6-B2D5-4FA1-98B4-1E0072C391EC}"/>
-                </a:ext>
-                <a:ext uri="{C183D7F6-B498-43B3-948B-1728B52AA6E4}">
-                  <adec:decorative xmlns:adec="http://schemas.microsoft.com/office/drawing/2017/decorative" val="1"/>
-                </a:ext>
-              </a:extLst>
-            </p:cNvPr>
-            <p:cNvCxnSpPr>
-              <a:cxnSpLocks/>
-            </p:cNvCxnSpPr>
-            <p:nvPr>
-              <p:extLst>
-                <p:ext uri="{386F3935-93C4-4BCD-93E2-E3B085C9AB24}">
-                  <p16:designElem xmlns:p16="http://schemas.microsoft.com/office/powerpoint/2015/main" val="1"/>
-                </p:ext>
-              </p:extLst>
-            </p:nvPr>
-          </p:nvCxnSpPr>
-          <p:spPr>
-            <a:xfrm>
-              <a:off x="0" y="3971883"/>
-              <a:ext cx="12192000" cy="0"/>
-            </a:xfrm>
-            <a:prstGeom prst="line">
-              <a:avLst/>
-            </a:prstGeom>
-            <a:ln w="12700">
-              <a:solidFill>
-                <a:srgbClr val="BCBCBC">
-                  <a:alpha val="29804"/>
-                </a:srgbClr>
-              </a:solidFill>
-              <a:prstDash val="sysDot"/>
-            </a:ln>
-          </p:spPr>
-          <p:style>
-            <a:lnRef idx="1">
-              <a:schemeClr val="accent1"/>
-            </a:lnRef>
-            <a:fillRef idx="0">
-              <a:schemeClr val="accent1"/>
-            </a:fillRef>
-            <a:effectRef idx="0">
-              <a:schemeClr val="accent1"/>
-            </a:effectRef>
-            <a:fontRef idx="minor">
-              <a:schemeClr val="tx1"/>
-            </a:fontRef>
-          </p:style>
-        </p:cxnSp>
-        <p:cxnSp>
-          <p:nvCxnSpPr>
-            <p:cNvPr id="300" name="Straight Connector 299">
-              <a:extLst>
-                <a:ext uri="{FF2B5EF4-FFF2-40B4-BE49-F238E27FC236}">
-                  <a16:creationId xmlns:a16="http://schemas.microsoft.com/office/drawing/2014/main" id="{AECA553C-C7B8-4353-BC4C-D622087D6F15}"/>
-                </a:ext>
-                <a:ext uri="{C183D7F6-B498-43B3-948B-1728B52AA6E4}">
-                  <adec:decorative xmlns:adec="http://schemas.microsoft.com/office/drawing/2017/decorative" val="1"/>
-                </a:ext>
-              </a:extLst>
-            </p:cNvPr>
-            <p:cNvCxnSpPr>
-              <a:cxnSpLocks/>
-            </p:cNvCxnSpPr>
-            <p:nvPr>
-              <p:extLst>
-                <p:ext uri="{386F3935-93C4-4BCD-93E2-E3B085C9AB24}">
-                  <p16:designElem xmlns:p16="http://schemas.microsoft.com/office/powerpoint/2015/main" val="1"/>
-                </p:ext>
-              </p:extLst>
-            </p:nvPr>
-          </p:nvCxnSpPr>
-          <p:spPr>
-            <a:xfrm>
-              <a:off x="0" y="4514764"/>
-              <a:ext cx="12192000" cy="0"/>
-            </a:xfrm>
-            <a:prstGeom prst="line">
-              <a:avLst/>
-            </a:prstGeom>
-            <a:ln w="12700">
-              <a:solidFill>
-                <a:srgbClr val="BCBCBC">
-                  <a:alpha val="29804"/>
-                </a:srgbClr>
-              </a:solidFill>
-              <a:prstDash val="sysDot"/>
-            </a:ln>
-          </p:spPr>
-          <p:style>
-            <a:lnRef idx="1">
-              <a:schemeClr val="accent1"/>
-            </a:lnRef>
-            <a:fillRef idx="0">
-              <a:schemeClr val="accent1"/>
-            </a:fillRef>
-            <a:effectRef idx="0">
-              <a:schemeClr val="accent1"/>
-            </a:effectRef>
-            <a:fontRef idx="minor">
-              <a:schemeClr val="tx1"/>
-            </a:fontRef>
-          </p:style>
-        </p:cxnSp>
-        <p:cxnSp>
-          <p:nvCxnSpPr>
-            <p:cNvPr id="301" name="Straight Connector 300">
-              <a:extLst>
-                <a:ext uri="{FF2B5EF4-FFF2-40B4-BE49-F238E27FC236}">
-                  <a16:creationId xmlns:a16="http://schemas.microsoft.com/office/drawing/2014/main" id="{1F802227-5CA9-40B4-870E-495C7899C755}"/>
-                </a:ext>
-                <a:ext uri="{C183D7F6-B498-43B3-948B-1728B52AA6E4}">
-                  <adec:decorative xmlns:adec="http://schemas.microsoft.com/office/drawing/2017/decorative" val="1"/>
-                </a:ext>
-              </a:extLst>
-            </p:cNvPr>
-            <p:cNvCxnSpPr>
-              <a:cxnSpLocks/>
-            </p:cNvCxnSpPr>
-            <p:nvPr>
-              <p:extLst>
-                <p:ext uri="{386F3935-93C4-4BCD-93E2-E3B085C9AB24}">
-                  <p16:designElem xmlns:p16="http://schemas.microsoft.com/office/powerpoint/2015/main" val="1"/>
-                </p:ext>
-              </p:extLst>
-            </p:nvPr>
-          </p:nvCxnSpPr>
-          <p:spPr>
-            <a:xfrm>
-              <a:off x="0" y="5057645"/>
-              <a:ext cx="12192000" cy="0"/>
-            </a:xfrm>
-            <a:prstGeom prst="line">
-              <a:avLst/>
-            </a:prstGeom>
-            <a:ln w="12700">
-              <a:solidFill>
-                <a:srgbClr val="BCBCBC">
-                  <a:alpha val="29804"/>
-                </a:srgbClr>
-              </a:solidFill>
-              <a:prstDash val="sysDot"/>
-            </a:ln>
-          </p:spPr>
-          <p:style>
-            <a:lnRef idx="1">
-              <a:schemeClr val="accent1"/>
-            </a:lnRef>
-            <a:fillRef idx="0">
-              <a:schemeClr val="accent1"/>
-            </a:fillRef>
-            <a:effectRef idx="0">
-              <a:schemeClr val="accent1"/>
-            </a:effectRef>
-            <a:fontRef idx="minor">
-              <a:schemeClr val="tx1"/>
-            </a:fontRef>
-          </p:style>
-        </p:cxnSp>
-        <p:cxnSp>
-          <p:nvCxnSpPr>
-            <p:cNvPr id="302" name="Straight Connector 301">
-              <a:extLst>
-                <a:ext uri="{FF2B5EF4-FFF2-40B4-BE49-F238E27FC236}">
-                  <a16:creationId xmlns:a16="http://schemas.microsoft.com/office/drawing/2014/main" id="{11A19F9E-BB49-4808-8481-77F848C2F4FC}"/>
-                </a:ext>
-                <a:ext uri="{C183D7F6-B498-43B3-948B-1728B52AA6E4}">
-                  <adec:decorative xmlns:adec="http://schemas.microsoft.com/office/drawing/2017/decorative" val="1"/>
-                </a:ext>
-              </a:extLst>
-            </p:cNvPr>
-            <p:cNvCxnSpPr>
-              <a:cxnSpLocks/>
-            </p:cNvCxnSpPr>
-            <p:nvPr>
-              <p:extLst>
-                <p:ext uri="{386F3935-93C4-4BCD-93E2-E3B085C9AB24}">
-                  <p16:designElem xmlns:p16="http://schemas.microsoft.com/office/powerpoint/2015/main" val="1"/>
-                </p:ext>
-              </p:extLst>
-            </p:nvPr>
-          </p:nvCxnSpPr>
-          <p:spPr>
-            <a:xfrm>
-              <a:off x="0" y="5600526"/>
-              <a:ext cx="12192000" cy="0"/>
-            </a:xfrm>
-            <a:prstGeom prst="line">
-              <a:avLst/>
-            </a:prstGeom>
-            <a:ln w="12700">
-              <a:solidFill>
-                <a:srgbClr val="BCBCBC">
-                  <a:alpha val="29804"/>
-                </a:srgbClr>
-              </a:solidFill>
-              <a:prstDash val="sysDot"/>
-            </a:ln>
-          </p:spPr>
-          <p:style>
-            <a:lnRef idx="1">
-              <a:schemeClr val="accent1"/>
-            </a:lnRef>
-            <a:fillRef idx="0">
-              <a:schemeClr val="accent1"/>
-            </a:fillRef>
-            <a:effectRef idx="0">
-              <a:schemeClr val="accent1"/>
-            </a:effectRef>
-            <a:fontRef idx="minor">
-              <a:schemeClr val="tx1"/>
-            </a:fontRef>
-          </p:style>
-        </p:cxnSp>
-        <p:cxnSp>
-          <p:nvCxnSpPr>
-            <p:cNvPr id="303" name="Straight Connector 302">
-              <a:extLst>
-                <a:ext uri="{FF2B5EF4-FFF2-40B4-BE49-F238E27FC236}">
-                  <a16:creationId xmlns:a16="http://schemas.microsoft.com/office/drawing/2014/main" id="{C53A57BE-F139-4C31-8201-477E20DD2A94}"/>
-                </a:ext>
-                <a:ext uri="{C183D7F6-B498-43B3-948B-1728B52AA6E4}">
-                  <adec:decorative xmlns:adec="http://schemas.microsoft.com/office/drawing/2017/decorative" val="1"/>
-                </a:ext>
-              </a:extLst>
-            </p:cNvPr>
-            <p:cNvCxnSpPr>
-              <a:cxnSpLocks/>
-            </p:cNvCxnSpPr>
-            <p:nvPr>
-              <p:extLst>
-                <p:ext uri="{386F3935-93C4-4BCD-93E2-E3B085C9AB24}">
-                  <p16:designElem xmlns:p16="http://schemas.microsoft.com/office/powerpoint/2015/main" val="1"/>
-                </p:ext>
-              </p:extLst>
-            </p:nvPr>
-          </p:nvCxnSpPr>
-          <p:spPr>
-            <a:xfrm>
-              <a:off x="0" y="6857999"/>
-              <a:ext cx="12192000" cy="0"/>
-            </a:xfrm>
-            <a:prstGeom prst="line">
-              <a:avLst/>
-            </a:prstGeom>
-            <a:ln w="12700">
-              <a:solidFill>
-                <a:srgbClr val="BCBCBC">
-                  <a:alpha val="29804"/>
-                </a:srgbClr>
-              </a:solidFill>
-              <a:prstDash val="sysDot"/>
-            </a:ln>
-          </p:spPr>
-          <p:style>
-            <a:lnRef idx="1">
-              <a:schemeClr val="accent1"/>
-            </a:lnRef>
-            <a:fillRef idx="0">
-              <a:schemeClr val="accent1"/>
-            </a:fillRef>
-            <a:effectRef idx="0">
-              <a:schemeClr val="accent1"/>
-            </a:effectRef>
-            <a:fontRef idx="minor">
-              <a:schemeClr val="tx1"/>
-            </a:fontRef>
-          </p:style>
-        </p:cxnSp>
-        <p:cxnSp>
-          <p:nvCxnSpPr>
-            <p:cNvPr id="304" name="Straight Connector 303">
-              <a:extLst>
-                <a:ext uri="{FF2B5EF4-FFF2-40B4-BE49-F238E27FC236}">
-                  <a16:creationId xmlns:a16="http://schemas.microsoft.com/office/drawing/2014/main" id="{99F800EC-2D85-47C7-BFB8-B146DD929C82}"/>
-                </a:ext>
-                <a:ext uri="{C183D7F6-B498-43B3-948B-1728B52AA6E4}">
-                  <adec:decorative xmlns:adec="http://schemas.microsoft.com/office/drawing/2017/decorative" val="1"/>
-                </a:ext>
-              </a:extLst>
-            </p:cNvPr>
-            <p:cNvCxnSpPr>
-              <a:cxnSpLocks/>
-            </p:cNvCxnSpPr>
-            <p:nvPr>
-              <p:extLst>
-                <p:ext uri="{386F3935-93C4-4BCD-93E2-E3B085C9AB24}">
-                  <p16:designElem xmlns:p16="http://schemas.microsoft.com/office/powerpoint/2015/main" val="1"/>
-                </p:ext>
-              </p:extLst>
-            </p:nvPr>
-          </p:nvCxnSpPr>
-          <p:spPr>
-            <a:xfrm>
-              <a:off x="16613" y="6143407"/>
-              <a:ext cx="12192000" cy="0"/>
-            </a:xfrm>
-            <a:prstGeom prst="line">
-              <a:avLst/>
-            </a:prstGeom>
-            <a:ln w="12700">
-              <a:solidFill>
-                <a:srgbClr val="BCBCBC">
-                  <a:alpha val="29804"/>
-                </a:srgbClr>
-              </a:solidFill>
-              <a:prstDash val="sysDot"/>
-            </a:ln>
-          </p:spPr>
-          <p:style>
-            <a:lnRef idx="1">
-              <a:schemeClr val="accent1"/>
-            </a:lnRef>
-            <a:fillRef idx="0">
-              <a:schemeClr val="accent1"/>
-            </a:fillRef>
-            <a:effectRef idx="0">
-              <a:schemeClr val="accent1"/>
-            </a:effectRef>
-            <a:fontRef idx="minor">
-              <a:schemeClr val="tx1"/>
-            </a:fontRef>
-          </p:style>
-        </p:cxnSp>
-        <p:cxnSp>
-          <p:nvCxnSpPr>
-            <p:cNvPr id="305" name="Straight Connector 304">
-              <a:extLst>
-                <a:ext uri="{FF2B5EF4-FFF2-40B4-BE49-F238E27FC236}">
-                  <a16:creationId xmlns:a16="http://schemas.microsoft.com/office/drawing/2014/main" id="{4478BA6D-3F48-40B1-8227-830029B6286A}"/>
-                </a:ext>
-                <a:ext uri="{C183D7F6-B498-43B3-948B-1728B52AA6E4}">
-                  <adec:decorative xmlns:adec="http://schemas.microsoft.com/office/drawing/2017/decorative" val="1"/>
-                </a:ext>
-              </a:extLst>
-            </p:cNvPr>
-            <p:cNvCxnSpPr>
-              <a:cxnSpLocks/>
-            </p:cNvCxnSpPr>
-            <p:nvPr>
-              <p:extLst>
-                <p:ext uri="{386F3935-93C4-4BCD-93E2-E3B085C9AB24}">
-                  <p16:designElem xmlns:p16="http://schemas.microsoft.com/office/powerpoint/2015/main" val="1"/>
-                </p:ext>
-              </p:extLst>
-            </p:nvPr>
-          </p:nvCxnSpPr>
-          <p:spPr>
-            <a:xfrm>
-              <a:off x="684225" y="171716"/>
-              <a:ext cx="0" cy="6511464"/>
-            </a:xfrm>
-            <a:prstGeom prst="line">
-              <a:avLst/>
-            </a:prstGeom>
-            <a:ln w="12700">
-              <a:solidFill>
-                <a:srgbClr val="BCBCBC">
-                  <a:alpha val="29804"/>
-                </a:srgbClr>
-              </a:solidFill>
-              <a:prstDash val="sysDot"/>
-            </a:ln>
-          </p:spPr>
-          <p:style>
-            <a:lnRef idx="1">
-              <a:schemeClr val="accent1"/>
-            </a:lnRef>
-            <a:fillRef idx="0">
-              <a:schemeClr val="accent1"/>
-            </a:fillRef>
-            <a:effectRef idx="0">
-              <a:schemeClr val="accent1"/>
-            </a:effectRef>
-            <a:fontRef idx="minor">
-              <a:schemeClr val="tx1"/>
-            </a:fontRef>
-          </p:style>
-        </p:cxnSp>
-        <p:cxnSp>
-          <p:nvCxnSpPr>
-            <p:cNvPr id="306" name="Straight Connector 305">
-              <a:extLst>
-                <a:ext uri="{FF2B5EF4-FFF2-40B4-BE49-F238E27FC236}">
-                  <a16:creationId xmlns:a16="http://schemas.microsoft.com/office/drawing/2014/main" id="{421E6C45-0A76-456E-BDD6-3DCB6612622A}"/>
-                </a:ext>
-                <a:ext uri="{C183D7F6-B498-43B3-948B-1728B52AA6E4}">
-                  <adec:decorative xmlns:adec="http://schemas.microsoft.com/office/drawing/2017/decorative" val="1"/>
-                </a:ext>
-              </a:extLst>
-            </p:cNvPr>
-            <p:cNvCxnSpPr>
-              <a:cxnSpLocks/>
-            </p:cNvCxnSpPr>
-            <p:nvPr>
-              <p:extLst>
-                <p:ext uri="{386F3935-93C4-4BCD-93E2-E3B085C9AB24}">
-                  <p16:designElem xmlns:p16="http://schemas.microsoft.com/office/powerpoint/2015/main" val="1"/>
-                </p:ext>
-              </p:extLst>
-            </p:nvPr>
-          </p:nvCxnSpPr>
-          <p:spPr>
-            <a:xfrm>
-              <a:off x="11508412" y="173267"/>
-              <a:ext cx="0" cy="6511464"/>
-            </a:xfrm>
-            <a:prstGeom prst="line">
-              <a:avLst/>
-            </a:prstGeom>
-            <a:ln w="12700">
-              <a:solidFill>
-                <a:srgbClr val="BCBCBC">
-                  <a:alpha val="29804"/>
-                </a:srgbClr>
-              </a:solidFill>
-              <a:prstDash val="sysDot"/>
-            </a:ln>
-          </p:spPr>
-          <p:style>
-            <a:lnRef idx="1">
-              <a:schemeClr val="accent1"/>
-            </a:lnRef>
-            <a:fillRef idx="0">
-              <a:schemeClr val="accent1"/>
-            </a:fillRef>
-            <a:effectRef idx="0">
-              <a:schemeClr val="accent1"/>
-            </a:effectRef>
-            <a:fontRef idx="minor">
-              <a:schemeClr val="tx1"/>
-            </a:fontRef>
-          </p:style>
-        </p:cxnSp>
-      </p:grpSp>
-      <p:sp>
-        <p:nvSpPr>
-          <p:cNvPr id="308" name="Right Triangle 307">
-            <a:extLst>
-              <a:ext uri="{FF2B5EF4-FFF2-40B4-BE49-F238E27FC236}">
-                <a16:creationId xmlns:a16="http://schemas.microsoft.com/office/drawing/2014/main" id="{3C541D4F-11C2-4F36-B2A3-AB9028F2A078}"/>
-              </a:ext>
-              <a:ext uri="{C183D7F6-B498-43B3-948B-1728B52AA6E4}">
-                <adec:decorative xmlns:adec="http://schemas.microsoft.com/office/drawing/2017/decorative" val="1"/>
-              </a:ext>
-            </a:extLst>
-          </p:cNvPr>
-          <p:cNvSpPr>
-            <a:spLocks noGrp="1" noRot="1" noChangeAspect="1" noMove="1" noResize="1" noEditPoints="1" noAdjustHandles="1" noChangeArrowheads="1" noChangeShapeType="1" noTextEdit="1"/>
-          </p:cNvSpPr>
-          <p:nvPr>
-            <p:extLst>
-              <p:ext uri="{386F3935-93C4-4BCD-93E2-E3B085C9AB24}">
-                <p16:designElem xmlns:p16="http://schemas.microsoft.com/office/powerpoint/2015/main" val="1"/>
-              </p:ext>
-            </p:extLst>
-          </p:nvPr>
-        </p:nvSpPr>
-        <p:spPr>
-          <a:xfrm rot="13500000">
-            <a:off x="-281093" y="2059094"/>
-            <a:ext cx="568289" cy="568289"/>
-          </a:xfrm>
-          <a:prstGeom prst="rtTriangle">
-            <a:avLst/>
-          </a:prstGeom>
-          <a:solidFill>
-            <a:schemeClr val="accent1">
-              <a:alpha val="50000"/>
-            </a:schemeClr>
-          </a:solidFill>
-          <a:ln>
-            <a:noFill/>
-          </a:ln>
-        </p:spPr>
-        <p:style>
-          <a:lnRef idx="2">
-            <a:schemeClr val="accent1">
-              <a:shade val="50000"/>
-            </a:schemeClr>
-          </a:lnRef>
-          <a:fillRef idx="1">
-            <a:schemeClr val="accent1"/>
-          </a:fillRef>
-          <a:effectRef idx="0">
-            <a:schemeClr val="accent1"/>
-          </a:effectRef>
-          <a:fontRef idx="minor">
-            <a:schemeClr val="lt1"/>
-          </a:fontRef>
-        </p:style>
-        <p:txBody>
-          <a:bodyPr rtlCol="0" anchor="ctr"/>
-          <a:lstStyle/>
-          <a:p>
-            <a:pPr algn="ctr"/>
-            <a:endParaRPr lang="en-US">
-              <a:solidFill>
-                <a:schemeClr val="tx1"/>
-              </a:solidFill>
-            </a:endParaRPr>
-          </a:p>
-        </p:txBody>
-      </p:sp>
-      <p:sp>
-        <p:nvSpPr>
-          <p:cNvPr id="2" name="Title 1">
-            <a:extLst>
-              <a:ext uri="{FF2B5EF4-FFF2-40B4-BE49-F238E27FC236}">
-                <a16:creationId xmlns:a16="http://schemas.microsoft.com/office/drawing/2014/main" id="{5DC12F91-ED57-CDA8-8DBA-EFD45B0FA19F}"/>
-              </a:ext>
-            </a:extLst>
-          </p:cNvPr>
-          <p:cNvSpPr>
-            <a:spLocks noGrp="1"/>
-          </p:cNvSpPr>
-          <p:nvPr>
-            <p:ph type="title"/>
-          </p:nvPr>
-        </p:nvSpPr>
-        <p:spPr>
-          <a:xfrm>
-            <a:off x="691079" y="725952"/>
-            <a:ext cx="4590926" cy="1881178"/>
-          </a:xfrm>
-        </p:spPr>
-        <p:txBody>
-          <a:bodyPr vert="horz" lIns="91440" tIns="45720" rIns="91440" bIns="45720" rtlCol="0" anchor="b">
-            <a:normAutofit/>
-          </a:bodyPr>
-          <a:lstStyle/>
-          <a:p>
-            <a:r>
-              <a:rPr lang="en-US" dirty="0"/>
-              <a:t>Sale Distribution</a:t>
-            </a:r>
-          </a:p>
-        </p:txBody>
-      </p:sp>
-      <p:sp>
-        <p:nvSpPr>
-          <p:cNvPr id="3" name="Content Placeholder 2">
-            <a:extLst>
-              <a:ext uri="{FF2B5EF4-FFF2-40B4-BE49-F238E27FC236}">
-                <a16:creationId xmlns:a16="http://schemas.microsoft.com/office/drawing/2014/main" id="{5E9253C0-2B09-839D-4E97-0A01B256E13B}"/>
-              </a:ext>
-            </a:extLst>
-          </p:cNvPr>
-          <p:cNvSpPr>
-            <a:spLocks noGrp="1"/>
-          </p:cNvSpPr>
-          <p:nvPr>
-            <p:ph sz="half" idx="1"/>
-          </p:nvPr>
-        </p:nvSpPr>
-        <p:spPr>
-          <a:xfrm>
-            <a:off x="691079" y="2886117"/>
-            <a:ext cx="4038652" cy="3276824"/>
-          </a:xfrm>
-        </p:spPr>
-        <p:txBody>
-          <a:bodyPr vert="horz" lIns="91440" tIns="45720" rIns="91440" bIns="45720" rtlCol="0">
-            <a:normAutofit/>
-          </a:bodyPr>
-          <a:lstStyle/>
-          <a:p>
-            <a:pPr>
-              <a:lnSpc>
-                <a:spcPct val="100000"/>
-              </a:lnSpc>
-            </a:pPr>
-            <a:r>
-              <a:rPr lang="en-US" sz="1400" dirty="0"/>
-              <a:t>Major avenue </a:t>
-            </a:r>
-            <a:r>
-              <a:rPr lang="en-CA" sz="1400" dirty="0"/>
-              <a:t>annual revenue occurs Nov–Dec.</a:t>
-            </a:r>
-          </a:p>
-          <a:p>
-            <a:pPr>
-              <a:lnSpc>
-                <a:spcPct val="100000"/>
-              </a:lnSpc>
-            </a:pPr>
-            <a:r>
-              <a:rPr lang="en-CA" sz="1400" dirty="0"/>
-              <a:t>The remaining 52% is spread across 10 months </a:t>
-            </a:r>
-          </a:p>
-          <a:p>
-            <a:pPr marL="0" indent="0">
-              <a:lnSpc>
-                <a:spcPct val="100000"/>
-              </a:lnSpc>
-              <a:buNone/>
-            </a:pPr>
-            <a:r>
-              <a:rPr lang="en-CA" sz="1400" dirty="0"/>
-              <a:t>→ massive untapped shoulder-season opportunity.</a:t>
-            </a:r>
-          </a:p>
-          <a:p>
-            <a:pPr>
-              <a:lnSpc>
-                <a:spcPct val="100000"/>
-              </a:lnSpc>
-            </a:pPr>
-            <a:endParaRPr lang="en-CA" sz="1400" dirty="0"/>
-          </a:p>
-        </p:txBody>
-      </p:sp>
-      <p:pic>
-        <p:nvPicPr>
-          <p:cNvPr id="8" name="Content Placeholder 7" descr="A graph of sales distribution&#10;&#10;AI-generated content may be incorrect.">
-            <a:extLst>
-              <a:ext uri="{FF2B5EF4-FFF2-40B4-BE49-F238E27FC236}">
-                <a16:creationId xmlns:a16="http://schemas.microsoft.com/office/drawing/2014/main" id="{4C998471-8196-D9BB-6715-C59382D866C5}"/>
-              </a:ext>
-            </a:extLst>
-          </p:cNvPr>
-          <p:cNvPicPr>
-            <a:picLocks noGrp="1" noChangeAspect="1"/>
-          </p:cNvPicPr>
-          <p:nvPr>
-            <p:ph sz="half" idx="2"/>
-          </p:nvPr>
-        </p:nvPicPr>
-        <p:blipFill>
-          <a:blip r:embed="rId2"/>
-          <a:stretch>
-            <a:fillRect/>
-          </a:stretch>
-        </p:blipFill>
-        <p:spPr>
-          <a:xfrm>
-            <a:off x="5106333" y="1035833"/>
-            <a:ext cx="6401443" cy="4801081"/>
-          </a:xfrm>
-          <a:prstGeom prst="rect">
-            <a:avLst/>
-          </a:prstGeom>
-        </p:spPr>
-      </p:pic>
-    </p:spTree>
-    <p:extLst>
-      <p:ext uri="{BB962C8B-B14F-4D97-AF65-F5344CB8AC3E}">
-        <p14:creationId xmlns:p14="http://schemas.microsoft.com/office/powerpoint/2010/main" val="2797830997"/>
-      </p:ext>
-    </p:extLst>
-  </p:cSld>
-  <p:clrMapOvr>
-    <a:masterClrMapping/>
-  </p:clrMapOvr>
-</p:sld>
-</file>
-
-<file path=ppt/slides/slide11.xml><?xml version="1.0" encoding="utf-8"?>
-<p:sld xmlns:a="http://schemas.openxmlformats.org/drawingml/2006/main" xmlns:r="http://schemas.openxmlformats.org/officeDocument/2006/relationships" xmlns:p="http://schemas.openxmlformats.org/presentationml/2006/main">
-  <p:cSld>
     <p:spTree>
       <p:nvGrpSpPr>
         <p:cNvPr id="1" name=""/>
@@ -20010,7 +16583,7 @@
 </p:sld>
 </file>
 
-<file path=ppt/slides/slide12.xml><?xml version="1.0" encoding="utf-8"?>
+<file path=ppt/slides/slide11.xml><?xml version="1.0" encoding="utf-8"?>
 <p:sld xmlns:a="http://schemas.openxmlformats.org/drawingml/2006/main" xmlns:r="http://schemas.openxmlformats.org/officeDocument/2006/relationships" xmlns:p="http://schemas.openxmlformats.org/presentationml/2006/main">
   <p:cSld>
     <p:spTree>
@@ -20151,7 +16724,7 @@
 </p:sld>
 </file>
 
-<file path=ppt/slides/slide13.xml><?xml version="1.0" encoding="utf-8"?>
+<file path=ppt/slides/slide12.xml><?xml version="1.0" encoding="utf-8"?>
 <p:sld xmlns:a="http://schemas.openxmlformats.org/drawingml/2006/main" xmlns:r="http://schemas.openxmlformats.org/officeDocument/2006/relationships" xmlns:p="http://schemas.openxmlformats.org/presentationml/2006/main">
   <p:cSld>
     <p:spTree>
@@ -43899,4 +40472,319 @@
     </a:ext>
   </a:extLst>
 </a:theme>
+</file>
+
+<file path=ppt/theme/theme2.xml><?xml version="1.0" encoding="utf-8"?>
+<a:theme xmlns:a="http://schemas.openxmlformats.org/drawingml/2006/main" name="Office Theme">
+  <a:themeElements>
+    <a:clrScheme name="Office">
+      <a:dk1>
+        <a:sysClr val="windowText" lastClr="000000"/>
+      </a:dk1>
+      <a:lt1>
+        <a:sysClr val="window" lastClr="FFFFFF"/>
+      </a:lt1>
+      <a:dk2>
+        <a:srgbClr val="0E2841"/>
+      </a:dk2>
+      <a:lt2>
+        <a:srgbClr val="E8E8E8"/>
+      </a:lt2>
+      <a:accent1>
+        <a:srgbClr val="156082"/>
+      </a:accent1>
+      <a:accent2>
+        <a:srgbClr val="E97132"/>
+      </a:accent2>
+      <a:accent3>
+        <a:srgbClr val="196B24"/>
+      </a:accent3>
+      <a:accent4>
+        <a:srgbClr val="0F9ED5"/>
+      </a:accent4>
+      <a:accent5>
+        <a:srgbClr val="A02B93"/>
+      </a:accent5>
+      <a:accent6>
+        <a:srgbClr val="4EA72E"/>
+      </a:accent6>
+      <a:hlink>
+        <a:srgbClr val="467886"/>
+      </a:hlink>
+      <a:folHlink>
+        <a:srgbClr val="96607D"/>
+      </a:folHlink>
+    </a:clrScheme>
+    <a:fontScheme name="Office">
+      <a:majorFont>
+        <a:latin typeface="Aptos Display" panose="02110004020202020204"/>
+        <a:ea typeface=""/>
+        <a:cs typeface=""/>
+        <a:font script="Jpan" typeface="游ゴシック Light"/>
+        <a:font script="Hang" typeface="맑은 고딕"/>
+        <a:font script="Hans" typeface="等线 Light"/>
+        <a:font script="Hant" typeface="新細明體"/>
+        <a:font script="Arab" typeface="Times New Roman"/>
+        <a:font script="Hebr" typeface="Times New Roman"/>
+        <a:font script="Thai" typeface="Angsana New"/>
+        <a:font script="Ethi" typeface="Nyala"/>
+        <a:font script="Beng" typeface="Vrinda"/>
+        <a:font script="Gujr" typeface="Shruti"/>
+        <a:font script="Khmr" typeface="MoolBoran"/>
+        <a:font script="Knda" typeface="Tunga"/>
+        <a:font script="Guru" typeface="Raavi"/>
+        <a:font script="Cans" typeface="Euphemia"/>
+        <a:font script="Cher" typeface="Plantagenet Cherokee"/>
+        <a:font script="Yiii" typeface="Microsoft Yi Baiti"/>
+        <a:font script="Tibt" typeface="Microsoft Himalaya"/>
+        <a:font script="Thaa" typeface="MV Boli"/>
+        <a:font script="Deva" typeface="Mangal"/>
+        <a:font script="Telu" typeface="Gautami"/>
+        <a:font script="Taml" typeface="Latha"/>
+        <a:font script="Syrc" typeface="Estrangelo Edessa"/>
+        <a:font script="Orya" typeface="Kalinga"/>
+        <a:font script="Mlym" typeface="Kartika"/>
+        <a:font script="Laoo" typeface="DokChampa"/>
+        <a:font script="Sinh" typeface="Iskoola Pota"/>
+        <a:font script="Mong" typeface="Mongolian Baiti"/>
+        <a:font script="Viet" typeface="Times New Roman"/>
+        <a:font script="Uigh" typeface="Microsoft Uighur"/>
+        <a:font script="Geor" typeface="Sylfaen"/>
+        <a:font script="Armn" typeface="Arial"/>
+        <a:font script="Bugi" typeface="Leelawadee UI"/>
+        <a:font script="Bopo" typeface="Microsoft JhengHei"/>
+        <a:font script="Java" typeface="Javanese Text"/>
+        <a:font script="Lisu" typeface="Segoe UI"/>
+        <a:font script="Mymr" typeface="Myanmar Text"/>
+        <a:font script="Nkoo" typeface="Ebrima"/>
+        <a:font script="Olck" typeface="Nirmala UI"/>
+        <a:font script="Osma" typeface="Ebrima"/>
+        <a:font script="Phag" typeface="Phagspa"/>
+        <a:font script="Syrn" typeface="Estrangelo Edessa"/>
+        <a:font script="Syrj" typeface="Estrangelo Edessa"/>
+        <a:font script="Syre" typeface="Estrangelo Edessa"/>
+        <a:font script="Sora" typeface="Nirmala UI"/>
+        <a:font script="Tale" typeface="Microsoft Tai Le"/>
+        <a:font script="Talu" typeface="Microsoft New Tai Lue"/>
+        <a:font script="Tfng" typeface="Ebrima"/>
+      </a:majorFont>
+      <a:minorFont>
+        <a:latin typeface="Aptos" panose="02110004020202020204"/>
+        <a:ea typeface=""/>
+        <a:cs typeface=""/>
+        <a:font script="Jpan" typeface="游ゴシック"/>
+        <a:font script="Hang" typeface="맑은 고딕"/>
+        <a:font script="Hans" typeface="等线"/>
+        <a:font script="Hant" typeface="新細明體"/>
+        <a:font script="Arab" typeface="Arial"/>
+        <a:font script="Hebr" typeface="Arial"/>
+        <a:font script="Thai" typeface="Cordia New"/>
+        <a:font script="Ethi" typeface="Nyala"/>
+        <a:font script="Beng" typeface="Vrinda"/>
+        <a:font script="Gujr" typeface="Shruti"/>
+        <a:font script="Khmr" typeface="DaunPenh"/>
+        <a:font script="Knda" typeface="Tunga"/>
+        <a:font script="Guru" typeface="Raavi"/>
+        <a:font script="Cans" typeface="Euphemia"/>
+        <a:font script="Cher" typeface="Plantagenet Cherokee"/>
+        <a:font script="Yiii" typeface="Microsoft Yi Baiti"/>
+        <a:font script="Tibt" typeface="Microsoft Himalaya"/>
+        <a:font script="Thaa" typeface="MV Boli"/>
+        <a:font script="Deva" typeface="Mangal"/>
+        <a:font script="Telu" typeface="Gautami"/>
+        <a:font script="Taml" typeface="Latha"/>
+        <a:font script="Syrc" typeface="Estrangelo Edessa"/>
+        <a:font script="Orya" typeface="Kalinga"/>
+        <a:font script="Mlym" typeface="Kartika"/>
+        <a:font script="Laoo" typeface="DokChampa"/>
+        <a:font script="Sinh" typeface="Iskoola Pota"/>
+        <a:font script="Mong" typeface="Mongolian Baiti"/>
+        <a:font script="Viet" typeface="Arial"/>
+        <a:font script="Uigh" typeface="Microsoft Uighur"/>
+        <a:font script="Geor" typeface="Sylfaen"/>
+        <a:font script="Armn" typeface="Arial"/>
+        <a:font script="Bugi" typeface="Leelawadee UI"/>
+        <a:font script="Bopo" typeface="Microsoft JhengHei"/>
+        <a:font script="Java" typeface="Javanese Text"/>
+        <a:font script="Lisu" typeface="Segoe UI"/>
+        <a:font script="Mymr" typeface="Myanmar Text"/>
+        <a:font script="Nkoo" typeface="Ebrima"/>
+        <a:font script="Olck" typeface="Nirmala UI"/>
+        <a:font script="Osma" typeface="Ebrima"/>
+        <a:font script="Phag" typeface="Phagspa"/>
+        <a:font script="Syrn" typeface="Estrangelo Edessa"/>
+        <a:font script="Syrj" typeface="Estrangelo Edessa"/>
+        <a:font script="Syre" typeface="Estrangelo Edessa"/>
+        <a:font script="Sora" typeface="Nirmala UI"/>
+        <a:font script="Tale" typeface="Microsoft Tai Le"/>
+        <a:font script="Talu" typeface="Microsoft New Tai Lue"/>
+        <a:font script="Tfng" typeface="Ebrima"/>
+      </a:minorFont>
+    </a:fontScheme>
+    <a:fmtScheme name="Office">
+      <a:fillStyleLst>
+        <a:solidFill>
+          <a:schemeClr val="phClr"/>
+        </a:solidFill>
+        <a:gradFill rotWithShape="1">
+          <a:gsLst>
+            <a:gs pos="0">
+              <a:schemeClr val="phClr">
+                <a:lumMod val="110000"/>
+                <a:satMod val="105000"/>
+                <a:tint val="67000"/>
+              </a:schemeClr>
+            </a:gs>
+            <a:gs pos="50000">
+              <a:schemeClr val="phClr">
+                <a:lumMod val="105000"/>
+                <a:satMod val="103000"/>
+                <a:tint val="73000"/>
+              </a:schemeClr>
+            </a:gs>
+            <a:gs pos="100000">
+              <a:schemeClr val="phClr">
+                <a:lumMod val="105000"/>
+                <a:satMod val="109000"/>
+                <a:tint val="81000"/>
+              </a:schemeClr>
+            </a:gs>
+          </a:gsLst>
+          <a:lin ang="5400000" scaled="0"/>
+        </a:gradFill>
+        <a:gradFill rotWithShape="1">
+          <a:gsLst>
+            <a:gs pos="0">
+              <a:schemeClr val="phClr">
+                <a:satMod val="103000"/>
+                <a:lumMod val="102000"/>
+                <a:tint val="94000"/>
+              </a:schemeClr>
+            </a:gs>
+            <a:gs pos="50000">
+              <a:schemeClr val="phClr">
+                <a:satMod val="110000"/>
+                <a:lumMod val="100000"/>
+                <a:shade val="100000"/>
+              </a:schemeClr>
+            </a:gs>
+            <a:gs pos="100000">
+              <a:schemeClr val="phClr">
+                <a:lumMod val="99000"/>
+                <a:satMod val="120000"/>
+                <a:shade val="78000"/>
+              </a:schemeClr>
+            </a:gs>
+          </a:gsLst>
+          <a:lin ang="5400000" scaled="0"/>
+        </a:gradFill>
+      </a:fillStyleLst>
+      <a:lnStyleLst>
+        <a:ln w="12700" cap="flat" cmpd="sng" algn="ctr">
+          <a:solidFill>
+            <a:schemeClr val="phClr"/>
+          </a:solidFill>
+          <a:prstDash val="solid"/>
+          <a:miter lim="800000"/>
+        </a:ln>
+        <a:ln w="19050" cap="flat" cmpd="sng" algn="ctr">
+          <a:solidFill>
+            <a:schemeClr val="phClr"/>
+          </a:solidFill>
+          <a:prstDash val="solid"/>
+          <a:miter lim="800000"/>
+        </a:ln>
+        <a:ln w="25400" cap="flat" cmpd="sng" algn="ctr">
+          <a:solidFill>
+            <a:schemeClr val="phClr"/>
+          </a:solidFill>
+          <a:prstDash val="solid"/>
+          <a:miter lim="800000"/>
+        </a:ln>
+      </a:lnStyleLst>
+      <a:effectStyleLst>
+        <a:effectStyle>
+          <a:effectLst/>
+        </a:effectStyle>
+        <a:effectStyle>
+          <a:effectLst/>
+        </a:effectStyle>
+        <a:effectStyle>
+          <a:effectLst>
+            <a:outerShdw blurRad="57150" dist="19050" dir="5400000" algn="ctr" rotWithShape="0">
+              <a:srgbClr val="000000">
+                <a:alpha val="63000"/>
+              </a:srgbClr>
+            </a:outerShdw>
+          </a:effectLst>
+        </a:effectStyle>
+      </a:effectStyleLst>
+      <a:bgFillStyleLst>
+        <a:solidFill>
+          <a:schemeClr val="phClr"/>
+        </a:solidFill>
+        <a:solidFill>
+          <a:schemeClr val="phClr">
+            <a:tint val="95000"/>
+            <a:satMod val="170000"/>
+          </a:schemeClr>
+        </a:solidFill>
+        <a:gradFill rotWithShape="1">
+          <a:gsLst>
+            <a:gs pos="0">
+              <a:schemeClr val="phClr">
+                <a:tint val="93000"/>
+                <a:satMod val="150000"/>
+                <a:shade val="98000"/>
+                <a:lumMod val="102000"/>
+              </a:schemeClr>
+            </a:gs>
+            <a:gs pos="50000">
+              <a:schemeClr val="phClr">
+                <a:tint val="98000"/>
+                <a:satMod val="130000"/>
+                <a:shade val="90000"/>
+                <a:lumMod val="103000"/>
+              </a:schemeClr>
+            </a:gs>
+            <a:gs pos="100000">
+              <a:schemeClr val="phClr">
+                <a:shade val="63000"/>
+                <a:satMod val="120000"/>
+              </a:schemeClr>
+            </a:gs>
+          </a:gsLst>
+          <a:lin ang="5400000" scaled="0"/>
+        </a:gradFill>
+      </a:bgFillStyleLst>
+    </a:fmtScheme>
+  </a:themeElements>
+  <a:objectDefaults>
+    <a:lnDef>
+      <a:spPr/>
+      <a:bodyPr/>
+      <a:lstStyle/>
+      <a:style>
+        <a:lnRef idx="2">
+          <a:schemeClr val="accent1"/>
+        </a:lnRef>
+        <a:fillRef idx="0">
+          <a:schemeClr val="accent1"/>
+        </a:fillRef>
+        <a:effectRef idx="1">
+          <a:schemeClr val="accent1"/>
+        </a:effectRef>
+        <a:fontRef idx="minor">
+          <a:schemeClr val="tx1"/>
+        </a:fontRef>
+      </a:style>
+    </a:lnDef>
+  </a:objectDefaults>
+  <a:extraClrSchemeLst/>
+  <a:extLst>
+    <a:ext uri="{05A4C25C-085E-4340-85A3-A5531E510DB2}">
+      <thm15:themeFamily xmlns:thm15="http://schemas.microsoft.com/office/thememl/2012/main" name="Office Theme" id="{2E142A2C-CD16-42D6-873A-C26D2A0506FA}" vid="{1BDDFF52-6CD6-40A5-AB3C-68EB2F1E4D0A}"/>
+    </a:ext>
+  </a:extLst>
+</a:theme>
 </file>